--- a/pres-source/02-using-cloud-services.pptx
+++ b/pres-source/02-using-cloud-services.pptx
@@ -5,12 +5,30 @@
     <p:sldMasterId id="2147483648" r:id="rId1"/>
   </p:sldMasterIdLst>
   <p:notesMasterIdLst>
-    <p:notesMasterId r:id="rId5"/>
+    <p:notesMasterId r:id="rId23"/>
   </p:notesMasterIdLst>
   <p:sldIdLst>
     <p:sldId id="256" r:id="rId2"/>
     <p:sldId id="257" r:id="rId3"/>
-    <p:sldId id="258" r:id="rId4"/>
+    <p:sldId id="262" r:id="rId4"/>
+    <p:sldId id="265" r:id="rId5"/>
+    <p:sldId id="261" r:id="rId6"/>
+    <p:sldId id="259" r:id="rId7"/>
+    <p:sldId id="260" r:id="rId8"/>
+    <p:sldId id="266" r:id="rId9"/>
+    <p:sldId id="267" r:id="rId10"/>
+    <p:sldId id="268" r:id="rId11"/>
+    <p:sldId id="269" r:id="rId12"/>
+    <p:sldId id="270" r:id="rId13"/>
+    <p:sldId id="271" r:id="rId14"/>
+    <p:sldId id="272" r:id="rId15"/>
+    <p:sldId id="274" r:id="rId16"/>
+    <p:sldId id="275" r:id="rId17"/>
+    <p:sldId id="273" r:id="rId18"/>
+    <p:sldId id="277" r:id="rId19"/>
+    <p:sldId id="278" r:id="rId20"/>
+    <p:sldId id="279" r:id="rId21"/>
+    <p:sldId id="276" r:id="rId22"/>
   </p:sldIdLst>
   <p:sldSz cx="9144000" cy="6858000" type="screen4x3"/>
   <p:notesSz cx="6858000" cy="9144000"/>
@@ -199,7 +217,7 @@
             <a:fld id="{7307762F-A706-E543-A832-3C298AA3103F}" type="datetimeFigureOut">
               <a:rPr lang="en-US" smtClean="0"/>
               <a:pPr/>
-              <a:t>03/09/15</a:t>
+              <a:t>09/11/15</a:t>
             </a:fld>
             <a:endParaRPr lang="en-US" dirty="0"/>
           </a:p>
@@ -766,7 +784,7 @@
           <a:p>
             <a:fld id="{875CF0EB-321F-0749-B37A-89BBA859503C}" type="datetimeFigureOut">
               <a:rPr lang="en-US" smtClean="0"/>
-              <a:t>03/09/15</a:t>
+              <a:t>09/11/15</a:t>
             </a:fld>
             <a:endParaRPr lang="en-US"/>
           </a:p>
@@ -970,7 +988,7 @@
           <a:p>
             <a:fld id="{875CF0EB-321F-0749-B37A-89BBA859503C}" type="datetimeFigureOut">
               <a:rPr lang="en-US" smtClean="0"/>
-              <a:t>03/09/15</a:t>
+              <a:t>09/11/15</a:t>
             </a:fld>
             <a:endParaRPr lang="en-US"/>
           </a:p>
@@ -1164,7 +1182,7 @@
           <a:p>
             <a:fld id="{875CF0EB-321F-0749-B37A-89BBA859503C}" type="datetimeFigureOut">
               <a:rPr lang="en-US" smtClean="0"/>
-              <a:t>03/09/15</a:t>
+              <a:t>09/11/15</a:t>
             </a:fld>
             <a:endParaRPr lang="en-US"/>
           </a:p>
@@ -1434,7 +1452,7 @@
           <a:p>
             <a:fld id="{875CF0EB-321F-0749-B37A-89BBA859503C}" type="datetimeFigureOut">
               <a:rPr lang="en-US" smtClean="0"/>
-              <a:t>03/09/15</a:t>
+              <a:t>09/11/15</a:t>
             </a:fld>
             <a:endParaRPr lang="en-US"/>
           </a:p>
@@ -1746,7 +1764,7 @@
           <a:p>
             <a:fld id="{875CF0EB-321F-0749-B37A-89BBA859503C}" type="datetimeFigureOut">
               <a:rPr lang="en-US" smtClean="0"/>
-              <a:t>03/09/15</a:t>
+              <a:t>09/11/15</a:t>
             </a:fld>
             <a:endParaRPr lang="en-US"/>
           </a:p>
@@ -2192,7 +2210,7 @@
           <a:p>
             <a:fld id="{875CF0EB-321F-0749-B37A-89BBA859503C}" type="datetimeFigureOut">
               <a:rPr lang="en-US" smtClean="0"/>
-              <a:t>03/09/15</a:t>
+              <a:t>09/11/15</a:t>
             </a:fld>
             <a:endParaRPr lang="en-US"/>
           </a:p>
@@ -2334,7 +2352,7 @@
           <a:p>
             <a:fld id="{875CF0EB-321F-0749-B37A-89BBA859503C}" type="datetimeFigureOut">
               <a:rPr lang="en-US" smtClean="0"/>
-              <a:t>03/09/15</a:t>
+              <a:t>09/11/15</a:t>
             </a:fld>
             <a:endParaRPr lang="en-US"/>
           </a:p>
@@ -2453,7 +2471,7 @@
           <a:p>
             <a:fld id="{875CF0EB-321F-0749-B37A-89BBA859503C}" type="datetimeFigureOut">
               <a:rPr lang="en-US" smtClean="0"/>
-              <a:t>03/09/15</a:t>
+              <a:t>09/11/15</a:t>
             </a:fld>
             <a:endParaRPr lang="en-US"/>
           </a:p>
@@ -2754,7 +2772,7 @@
           <a:p>
             <a:fld id="{875CF0EB-321F-0749-B37A-89BBA859503C}" type="datetimeFigureOut">
               <a:rPr lang="en-US" smtClean="0"/>
-              <a:t>03/09/15</a:t>
+              <a:t>09/11/15</a:t>
             </a:fld>
             <a:endParaRPr lang="en-US"/>
           </a:p>
@@ -3031,7 +3049,7 @@
           <a:p>
             <a:fld id="{875CF0EB-321F-0749-B37A-89BBA859503C}" type="datetimeFigureOut">
               <a:rPr lang="en-US" smtClean="0"/>
-              <a:t>03/09/15</a:t>
+              <a:t>09/11/15</a:t>
             </a:fld>
             <a:endParaRPr lang="en-US"/>
           </a:p>
@@ -4003,6 +4021,1379 @@
 </p:sld>
 </file>
 
+<file path=ppt/slides/slide10.xml><?xml version="1.0" encoding="utf-8"?>
+<p:sld xmlns:a="http://schemas.openxmlformats.org/drawingml/2006/main" xmlns:r="http://schemas.openxmlformats.org/officeDocument/2006/relationships" xmlns:p="http://schemas.openxmlformats.org/presentationml/2006/main">
+  <p:cSld>
+    <p:spTree>
+      <p:nvGrpSpPr>
+        <p:cNvPr id="1" name=""/>
+        <p:cNvGrpSpPr/>
+        <p:nvPr/>
+      </p:nvGrpSpPr>
+      <p:grpSpPr>
+        <a:xfrm>
+          <a:off x="0" y="0"/>
+          <a:ext cx="0" cy="0"/>
+          <a:chOff x="0" y="0"/>
+          <a:chExt cx="0" cy="0"/>
+        </a:xfrm>
+      </p:grpSpPr>
+      <p:sp>
+        <p:nvSpPr>
+          <p:cNvPr id="7" name="Title 6"/>
+          <p:cNvSpPr>
+            <a:spLocks noGrp="1"/>
+          </p:cNvSpPr>
+          <p:nvPr>
+            <p:ph type="title"/>
+          </p:nvPr>
+        </p:nvSpPr>
+        <p:spPr/>
+        <p:txBody>
+          <a:bodyPr/>
+          <a:lstStyle/>
+          <a:p>
+            <a:r>
+              <a:rPr lang="en-US" dirty="0" err="1" smtClean="0"/>
+              <a:t>OpenStack</a:t>
+            </a:r>
+            <a:endParaRPr lang="en-US" dirty="0"/>
+          </a:p>
+        </p:txBody>
+      </p:sp>
+      <p:sp>
+        <p:nvSpPr>
+          <p:cNvPr id="13" name="Content Placeholder 12"/>
+          <p:cNvSpPr>
+            <a:spLocks noGrp="1"/>
+          </p:cNvSpPr>
+          <p:nvPr>
+            <p:ph idx="1"/>
+          </p:nvPr>
+        </p:nvSpPr>
+        <p:spPr>
+          <a:xfrm>
+            <a:off x="457200" y="1295401"/>
+            <a:ext cx="8229600" cy="1752600"/>
+          </a:xfrm>
+        </p:spPr>
+        <p:txBody>
+          <a:bodyPr>
+            <a:noAutofit/>
+          </a:bodyPr>
+          <a:lstStyle/>
+          <a:p>
+            <a:r>
+              <a:rPr lang="en-US" sz="1600" dirty="0" smtClean="0"/>
+              <a:t>Compute - </a:t>
+            </a:r>
+            <a:r>
+              <a:rPr lang="en-US" sz="1600" i="1" dirty="0" smtClean="0"/>
+              <a:t>Nova</a:t>
+            </a:r>
+          </a:p>
+          <a:p>
+            <a:r>
+              <a:rPr lang="en-US" sz="1600" dirty="0" smtClean="0"/>
+              <a:t>Networking - </a:t>
+            </a:r>
+            <a:r>
+              <a:rPr lang="en-US" sz="1600" dirty="0"/>
+              <a:t> </a:t>
+            </a:r>
+            <a:r>
+              <a:rPr lang="en-US" sz="1600" i="1" dirty="0"/>
+              <a:t>Neutron</a:t>
+            </a:r>
+            <a:r>
+              <a:rPr lang="en-US" sz="1600" dirty="0"/>
+              <a:t> (formerly Quantum</a:t>
+            </a:r>
+            <a:r>
+              <a:rPr lang="en-US" sz="1600" dirty="0" smtClean="0"/>
+              <a:t>)</a:t>
+            </a:r>
+          </a:p>
+          <a:p>
+            <a:r>
+              <a:rPr lang="en-US" sz="1600" dirty="0" smtClean="0"/>
+              <a:t>Block Storage – </a:t>
+            </a:r>
+            <a:r>
+              <a:rPr lang="en-US" sz="1600" i="1" dirty="0" smtClean="0"/>
+              <a:t>Cinder</a:t>
+            </a:r>
+          </a:p>
+          <a:p>
+            <a:r>
+              <a:rPr lang="en-US" sz="1600" dirty="0" smtClean="0"/>
+              <a:t>Object Storage – </a:t>
+            </a:r>
+            <a:r>
+              <a:rPr lang="en-US" sz="1600" i="1" dirty="0" smtClean="0"/>
+              <a:t>Swift</a:t>
+            </a:r>
+          </a:p>
+          <a:p>
+            <a:r>
+              <a:rPr lang="en-US" sz="1600" dirty="0" smtClean="0"/>
+              <a:t>Image Service – </a:t>
+            </a:r>
+            <a:r>
+              <a:rPr lang="en-US" sz="1600" i="1" dirty="0" smtClean="0"/>
+              <a:t>Glance</a:t>
+            </a:r>
+          </a:p>
+          <a:p>
+            <a:r>
+              <a:rPr lang="en-US" sz="1600" dirty="0" smtClean="0"/>
+              <a:t>Identity Service - </a:t>
+            </a:r>
+            <a:r>
+              <a:rPr lang="en-US" sz="1600" i="1" dirty="0" smtClean="0"/>
+              <a:t>Keystone</a:t>
+            </a:r>
+            <a:endParaRPr lang="en-US" sz="1600" dirty="0"/>
+          </a:p>
+          <a:p>
+            <a:endParaRPr lang="en-US" sz="1600" dirty="0" smtClean="0"/>
+          </a:p>
+          <a:p>
+            <a:endParaRPr lang="en-US" sz="1600" dirty="0"/>
+          </a:p>
+        </p:txBody>
+      </p:sp>
+      <p:sp>
+        <p:nvSpPr>
+          <p:cNvPr id="5" name="Date Placeholder 4"/>
+          <p:cNvSpPr>
+            <a:spLocks noGrp="1"/>
+          </p:cNvSpPr>
+          <p:nvPr>
+            <p:ph type="dt" sz="half" idx="10"/>
+          </p:nvPr>
+        </p:nvSpPr>
+        <p:spPr/>
+        <p:txBody>
+          <a:bodyPr/>
+          <a:lstStyle/>
+          <a:p>
+            <a:fld id="{7268D07E-94DD-D34E-A9CB-F7E79C30F7B9}" type="datetime1">
+              <a:rPr lang="en-US" smtClean="0"/>
+              <a:t>10/11/15</a:t>
+            </a:fld>
+            <a:endParaRPr lang="en-US"/>
+          </a:p>
+        </p:txBody>
+      </p:sp>
+      <p:sp>
+        <p:nvSpPr>
+          <p:cNvPr id="6" name="Slide Number Placeholder 5"/>
+          <p:cNvSpPr>
+            <a:spLocks noGrp="1"/>
+          </p:cNvSpPr>
+          <p:nvPr>
+            <p:ph type="sldNum" sz="quarter" idx="12"/>
+          </p:nvPr>
+        </p:nvSpPr>
+        <p:spPr/>
+        <p:txBody>
+          <a:bodyPr/>
+          <a:lstStyle/>
+          <a:p>
+            <a:fld id="{CC2BEEE7-CF0A-0E41-8413-174CF43B1E87}" type="slidenum">
+              <a:rPr lang="en-US" smtClean="0"/>
+              <a:t>10</a:t>
+            </a:fld>
+            <a:endParaRPr lang="en-US"/>
+          </a:p>
+        </p:txBody>
+      </p:sp>
+      <p:pic>
+        <p:nvPicPr>
+          <p:cNvPr id="12" name="Picture 11"/>
+          <p:cNvPicPr>
+            <a:picLocks noChangeAspect="1"/>
+          </p:cNvPicPr>
+          <p:nvPr/>
+        </p:nvPicPr>
+        <p:blipFill>
+          <a:blip r:embed="rId2"/>
+          <a:stretch>
+            <a:fillRect/>
+          </a:stretch>
+        </p:blipFill>
+        <p:spPr>
+          <a:xfrm>
+            <a:off x="6058108" y="1417638"/>
+            <a:ext cx="2997408" cy="1282789"/>
+          </a:xfrm>
+          <a:prstGeom prst="rect">
+            <a:avLst/>
+          </a:prstGeom>
+        </p:spPr>
+      </p:pic>
+      <p:pic>
+        <p:nvPicPr>
+          <p:cNvPr id="14" name="Picture 13"/>
+          <p:cNvPicPr>
+            <a:picLocks noChangeAspect="1"/>
+          </p:cNvPicPr>
+          <p:nvPr/>
+        </p:nvPicPr>
+        <p:blipFill>
+          <a:blip r:embed="rId3"/>
+          <a:stretch>
+            <a:fillRect/>
+          </a:stretch>
+        </p:blipFill>
+        <p:spPr>
+          <a:xfrm>
+            <a:off x="673100" y="3198202"/>
+            <a:ext cx="8013700" cy="3321186"/>
+          </a:xfrm>
+          <a:prstGeom prst="rect">
+            <a:avLst/>
+          </a:prstGeom>
+        </p:spPr>
+      </p:pic>
+    </p:spTree>
+    <p:extLst>
+      <p:ext uri="{BB962C8B-B14F-4D97-AF65-F5344CB8AC3E}">
+        <p14:creationId xmlns:p14="http://schemas.microsoft.com/office/powerpoint/2010/main" val="4061369373"/>
+      </p:ext>
+    </p:extLst>
+  </p:cSld>
+  <p:clrMapOvr>
+    <a:masterClrMapping/>
+  </p:clrMapOvr>
+</p:sld>
+</file>
+
+<file path=ppt/slides/slide11.xml><?xml version="1.0" encoding="utf-8"?>
+<p:sld xmlns:a="http://schemas.openxmlformats.org/drawingml/2006/main" xmlns:r="http://schemas.openxmlformats.org/officeDocument/2006/relationships" xmlns:p="http://schemas.openxmlformats.org/presentationml/2006/main">
+  <p:cSld>
+    <p:spTree>
+      <p:nvGrpSpPr>
+        <p:cNvPr id="1" name=""/>
+        <p:cNvGrpSpPr/>
+        <p:nvPr/>
+      </p:nvGrpSpPr>
+      <p:grpSpPr>
+        <a:xfrm>
+          <a:off x="0" y="0"/>
+          <a:ext cx="0" cy="0"/>
+          <a:chOff x="0" y="0"/>
+          <a:chExt cx="0" cy="0"/>
+        </a:xfrm>
+      </p:grpSpPr>
+      <p:sp>
+        <p:nvSpPr>
+          <p:cNvPr id="2" name="Title 1"/>
+          <p:cNvSpPr>
+            <a:spLocks noGrp="1"/>
+          </p:cNvSpPr>
+          <p:nvPr>
+            <p:ph type="title"/>
+          </p:nvPr>
+        </p:nvSpPr>
+        <p:spPr/>
+        <p:txBody>
+          <a:bodyPr/>
+          <a:lstStyle/>
+          <a:p>
+            <a:r>
+              <a:rPr lang="en-US" dirty="0" smtClean="0"/>
+              <a:t>EC2 / AWS main functions</a:t>
+            </a:r>
+            <a:endParaRPr lang="en-US" dirty="0"/>
+          </a:p>
+        </p:txBody>
+      </p:sp>
+      <p:sp>
+        <p:nvSpPr>
+          <p:cNvPr id="3" name="Content Placeholder 2"/>
+          <p:cNvSpPr>
+            <a:spLocks noGrp="1"/>
+          </p:cNvSpPr>
+          <p:nvPr>
+            <p:ph idx="1"/>
+          </p:nvPr>
+        </p:nvSpPr>
+        <p:spPr/>
+        <p:txBody>
+          <a:bodyPr>
+            <a:normAutofit fontScale="85000" lnSpcReduction="20000"/>
+          </a:bodyPr>
+          <a:lstStyle/>
+          <a:p>
+            <a:r>
+              <a:rPr lang="en-US" dirty="0" smtClean="0"/>
+              <a:t>EC2 (Elastic Compute Cloud)</a:t>
+            </a:r>
+          </a:p>
+          <a:p>
+            <a:pPr lvl="1"/>
+            <a:r>
+              <a:rPr lang="en-US" dirty="0" smtClean="0"/>
+              <a:t>Instances</a:t>
+            </a:r>
+          </a:p>
+          <a:p>
+            <a:pPr lvl="2"/>
+            <a:r>
+              <a:rPr lang="en-US" dirty="0" smtClean="0"/>
+              <a:t>Servers of various sizes</a:t>
+            </a:r>
+          </a:p>
+          <a:p>
+            <a:pPr lvl="1"/>
+            <a:r>
+              <a:rPr lang="en-US" dirty="0" smtClean="0"/>
+              <a:t>AMIs (Amazon Machine Images)</a:t>
+            </a:r>
+          </a:p>
+          <a:p>
+            <a:pPr lvl="2"/>
+            <a:r>
+              <a:rPr lang="en-US" dirty="0" smtClean="0"/>
+              <a:t>Server images </a:t>
+            </a:r>
+          </a:p>
+          <a:p>
+            <a:pPr lvl="1"/>
+            <a:r>
+              <a:rPr lang="en-US" dirty="0" smtClean="0"/>
+              <a:t>Elastic Block Storage (EBS)</a:t>
+            </a:r>
+          </a:p>
+          <a:p>
+            <a:pPr lvl="2"/>
+            <a:r>
+              <a:rPr lang="en-US" dirty="0" smtClean="0"/>
+              <a:t>Virtualized Hard drives</a:t>
+            </a:r>
+          </a:p>
+          <a:p>
+            <a:pPr lvl="1"/>
+            <a:r>
+              <a:rPr lang="en-US" dirty="0" smtClean="0"/>
+              <a:t>VPC (Virtual Private Cloud)</a:t>
+            </a:r>
+          </a:p>
+          <a:p>
+            <a:pPr lvl="2"/>
+            <a:r>
+              <a:rPr lang="en-US" dirty="0" smtClean="0"/>
+              <a:t>Secure network space</a:t>
+            </a:r>
+          </a:p>
+          <a:p>
+            <a:r>
+              <a:rPr lang="en-US" dirty="0" smtClean="0"/>
+              <a:t>S3 (Simple Storage Solution)</a:t>
+            </a:r>
+          </a:p>
+          <a:p>
+            <a:pPr lvl="1"/>
+            <a:r>
+              <a:rPr lang="en-US" dirty="0" smtClean="0"/>
+              <a:t>“Buckets” of data </a:t>
+            </a:r>
+          </a:p>
+          <a:p>
+            <a:pPr lvl="1"/>
+            <a:r>
+              <a:rPr lang="en-US" dirty="0" smtClean="0"/>
+              <a:t>Longer term storage of data</a:t>
+            </a:r>
+          </a:p>
+          <a:p>
+            <a:pPr lvl="1"/>
+            <a:endParaRPr lang="en-US" dirty="0" smtClean="0"/>
+          </a:p>
+        </p:txBody>
+      </p:sp>
+    </p:spTree>
+    <p:extLst>
+      <p:ext uri="{BB962C8B-B14F-4D97-AF65-F5344CB8AC3E}">
+        <p14:creationId xmlns:p14="http://schemas.microsoft.com/office/powerpoint/2010/main" val="564307515"/>
+      </p:ext>
+    </p:extLst>
+  </p:cSld>
+  <p:clrMapOvr>
+    <a:masterClrMapping/>
+  </p:clrMapOvr>
+</p:sld>
+</file>
+
+<file path=ppt/slides/slide12.xml><?xml version="1.0" encoding="utf-8"?>
+<p:sld xmlns:a="http://schemas.openxmlformats.org/drawingml/2006/main" xmlns:r="http://schemas.openxmlformats.org/officeDocument/2006/relationships" xmlns:p="http://schemas.openxmlformats.org/presentationml/2006/main">
+  <p:cSld>
+    <p:spTree>
+      <p:nvGrpSpPr>
+        <p:cNvPr id="1" name=""/>
+        <p:cNvGrpSpPr/>
+        <p:nvPr/>
+      </p:nvGrpSpPr>
+      <p:grpSpPr>
+        <a:xfrm>
+          <a:off x="0" y="0"/>
+          <a:ext cx="0" cy="0"/>
+          <a:chOff x="0" y="0"/>
+          <a:chExt cx="0" cy="0"/>
+        </a:xfrm>
+      </p:grpSpPr>
+      <p:sp>
+        <p:nvSpPr>
+          <p:cNvPr id="2" name="Title 1"/>
+          <p:cNvSpPr>
+            <a:spLocks noGrp="1"/>
+          </p:cNvSpPr>
+          <p:nvPr>
+            <p:ph type="title"/>
+          </p:nvPr>
+        </p:nvSpPr>
+        <p:spPr/>
+        <p:txBody>
+          <a:bodyPr>
+            <a:normAutofit fontScale="90000"/>
+          </a:bodyPr>
+          <a:lstStyle/>
+          <a:p>
+            <a:r>
+              <a:rPr lang="en-US" dirty="0" smtClean="0"/>
+              <a:t>Platform-as-a-Service</a:t>
+            </a:r>
+            <a:br>
+              <a:rPr lang="en-US" dirty="0" smtClean="0"/>
+            </a:br>
+            <a:r>
+              <a:rPr lang="en-US" dirty="0" err="1" smtClean="0"/>
+              <a:t>PaaS</a:t>
+            </a:r>
+            <a:endParaRPr lang="en-US" dirty="0"/>
+          </a:p>
+        </p:txBody>
+      </p:sp>
+      <p:sp>
+        <p:nvSpPr>
+          <p:cNvPr id="3" name="Content Placeholder 2"/>
+          <p:cNvSpPr>
+            <a:spLocks noGrp="1"/>
+          </p:cNvSpPr>
+          <p:nvPr>
+            <p:ph idx="1"/>
+          </p:nvPr>
+        </p:nvSpPr>
+        <p:spPr/>
+        <p:txBody>
+          <a:bodyPr/>
+          <a:lstStyle/>
+          <a:p>
+            <a:r>
+              <a:rPr lang="en-US" dirty="0" err="1" smtClean="0"/>
+              <a:t>IaaS</a:t>
+            </a:r>
+            <a:r>
+              <a:rPr lang="en-US" dirty="0" smtClean="0"/>
+              <a:t> is about provisioning </a:t>
+            </a:r>
+          </a:p>
+          <a:p>
+            <a:pPr lvl="1"/>
+            <a:r>
+              <a:rPr lang="en-US" dirty="0" smtClean="0"/>
+              <a:t>machines, disk, network</a:t>
+            </a:r>
+          </a:p>
+          <a:p>
+            <a:r>
+              <a:rPr lang="en-US" dirty="0" err="1" smtClean="0"/>
+              <a:t>PaaS</a:t>
+            </a:r>
+            <a:r>
+              <a:rPr lang="en-US" dirty="0" smtClean="0"/>
+              <a:t> is about provisioning services for developers</a:t>
+            </a:r>
+          </a:p>
+          <a:p>
+            <a:pPr lvl="1"/>
+            <a:r>
+              <a:rPr lang="en-US" dirty="0" err="1" smtClean="0"/>
+              <a:t>Hadoop</a:t>
+            </a:r>
+            <a:r>
+              <a:rPr lang="en-US" dirty="0" smtClean="0"/>
+              <a:t>, Spark, JEE containers</a:t>
+            </a:r>
+          </a:p>
+          <a:p>
+            <a:pPr lvl="1"/>
+            <a:r>
+              <a:rPr lang="en-US" dirty="0" smtClean="0"/>
+              <a:t>Databases, Queues, Pub/Sub</a:t>
+            </a:r>
+          </a:p>
+          <a:p>
+            <a:pPr lvl="1"/>
+            <a:r>
+              <a:rPr lang="en-US" dirty="0" smtClean="0"/>
+              <a:t>Cache, Email services, Notifications</a:t>
+            </a:r>
+          </a:p>
+          <a:p>
+            <a:r>
+              <a:rPr lang="en-US" dirty="0" smtClean="0"/>
+              <a:t>Sort of </a:t>
+            </a:r>
+            <a:r>
+              <a:rPr lang="en-US" dirty="0" err="1" smtClean="0"/>
+              <a:t>SaaS</a:t>
+            </a:r>
+            <a:r>
+              <a:rPr lang="en-US" dirty="0" smtClean="0"/>
+              <a:t> for developers</a:t>
+            </a:r>
+          </a:p>
+          <a:p>
+            <a:endParaRPr lang="en-US" dirty="0"/>
+          </a:p>
+        </p:txBody>
+      </p:sp>
+    </p:spTree>
+    <p:extLst>
+      <p:ext uri="{BB962C8B-B14F-4D97-AF65-F5344CB8AC3E}">
+        <p14:creationId xmlns:p14="http://schemas.microsoft.com/office/powerpoint/2010/main" val="220257040"/>
+      </p:ext>
+    </p:extLst>
+  </p:cSld>
+  <p:clrMapOvr>
+    <a:masterClrMapping/>
+  </p:clrMapOvr>
+</p:sld>
+</file>
+
+<file path=ppt/slides/slide13.xml><?xml version="1.0" encoding="utf-8"?>
+<p:sld xmlns:a="http://schemas.openxmlformats.org/drawingml/2006/main" xmlns:r="http://schemas.openxmlformats.org/officeDocument/2006/relationships" xmlns:p="http://schemas.openxmlformats.org/presentationml/2006/main">
+  <p:cSld>
+    <p:spTree>
+      <p:nvGrpSpPr>
+        <p:cNvPr id="1" name=""/>
+        <p:cNvGrpSpPr/>
+        <p:nvPr/>
+      </p:nvGrpSpPr>
+      <p:grpSpPr>
+        <a:xfrm>
+          <a:off x="0" y="0"/>
+          <a:ext cx="0" cy="0"/>
+          <a:chOff x="0" y="0"/>
+          <a:chExt cx="0" cy="0"/>
+        </a:xfrm>
+      </p:grpSpPr>
+      <p:sp>
+        <p:nvSpPr>
+          <p:cNvPr id="2" name="Title 1"/>
+          <p:cNvSpPr>
+            <a:spLocks noGrp="1"/>
+          </p:cNvSpPr>
+          <p:nvPr>
+            <p:ph type="title"/>
+          </p:nvPr>
+        </p:nvSpPr>
+        <p:spPr/>
+        <p:txBody>
+          <a:bodyPr/>
+          <a:lstStyle/>
+          <a:p>
+            <a:r>
+              <a:rPr lang="en-US" dirty="0" smtClean="0"/>
+              <a:t>Public </a:t>
+            </a:r>
+            <a:r>
+              <a:rPr lang="en-US" dirty="0" err="1" smtClean="0"/>
+              <a:t>PaaS</a:t>
+            </a:r>
+            <a:r>
+              <a:rPr lang="en-US" dirty="0" smtClean="0"/>
+              <a:t> options</a:t>
+            </a:r>
+            <a:endParaRPr lang="en-US" dirty="0"/>
+          </a:p>
+        </p:txBody>
+      </p:sp>
+      <p:sp>
+        <p:nvSpPr>
+          <p:cNvPr id="3" name="Content Placeholder 2"/>
+          <p:cNvSpPr>
+            <a:spLocks noGrp="1"/>
+          </p:cNvSpPr>
+          <p:nvPr>
+            <p:ph idx="1"/>
+          </p:nvPr>
+        </p:nvSpPr>
+        <p:spPr/>
+        <p:txBody>
+          <a:bodyPr>
+            <a:normAutofit lnSpcReduction="10000"/>
+          </a:bodyPr>
+          <a:lstStyle/>
+          <a:p>
+            <a:r>
+              <a:rPr lang="en-US" dirty="0" smtClean="0"/>
+              <a:t>Amazon AWS is becoming a </a:t>
+            </a:r>
+            <a:r>
+              <a:rPr lang="en-US" dirty="0" err="1" smtClean="0"/>
+              <a:t>PaaS</a:t>
+            </a:r>
+            <a:endParaRPr lang="en-US" dirty="0" smtClean="0"/>
+          </a:p>
+          <a:p>
+            <a:pPr lvl="1"/>
+            <a:r>
+              <a:rPr lang="en-US" dirty="0" smtClean="0"/>
+              <a:t>RDS (Database), </a:t>
+            </a:r>
+            <a:r>
+              <a:rPr lang="en-US" dirty="0" err="1" smtClean="0"/>
+              <a:t>DynamoDB</a:t>
+            </a:r>
+            <a:endParaRPr lang="en-US" dirty="0" smtClean="0"/>
+          </a:p>
+          <a:p>
+            <a:pPr lvl="1"/>
+            <a:r>
+              <a:rPr lang="en-US" dirty="0" err="1" smtClean="0"/>
+              <a:t>ElastiCache</a:t>
+            </a:r>
+            <a:r>
+              <a:rPr lang="en-US" dirty="0" smtClean="0"/>
+              <a:t> (</a:t>
+            </a:r>
+            <a:r>
+              <a:rPr lang="en-US" dirty="0" err="1" smtClean="0"/>
+              <a:t>memcache</a:t>
+            </a:r>
+            <a:r>
+              <a:rPr lang="en-US" dirty="0" smtClean="0"/>
+              <a:t> as a service)</a:t>
+            </a:r>
+          </a:p>
+          <a:p>
+            <a:pPr lvl="1"/>
+            <a:r>
+              <a:rPr lang="en-US" dirty="0" smtClean="0"/>
+              <a:t>Elastic Beanstalk (deployment as a service)</a:t>
+            </a:r>
+          </a:p>
+          <a:p>
+            <a:pPr lvl="1"/>
+            <a:r>
+              <a:rPr lang="en-US" dirty="0" smtClean="0"/>
+              <a:t>Simple Notification Service</a:t>
+            </a:r>
+          </a:p>
+          <a:p>
+            <a:pPr lvl="1"/>
+            <a:r>
+              <a:rPr lang="en-US" dirty="0" smtClean="0"/>
+              <a:t>API Gateway</a:t>
+            </a:r>
+          </a:p>
+          <a:p>
+            <a:pPr lvl="1"/>
+            <a:r>
+              <a:rPr lang="en-US" dirty="0" err="1" smtClean="0"/>
+              <a:t>CloudSearch</a:t>
+            </a:r>
+            <a:endParaRPr lang="en-US" dirty="0" smtClean="0"/>
+          </a:p>
+          <a:p>
+            <a:pPr lvl="1"/>
+            <a:r>
+              <a:rPr lang="en-US" dirty="0" err="1" smtClean="0"/>
+              <a:t>Etc</a:t>
+            </a:r>
+            <a:r>
+              <a:rPr lang="en-US" dirty="0" smtClean="0"/>
+              <a:t>, </a:t>
+            </a:r>
+            <a:r>
+              <a:rPr lang="en-US" dirty="0" err="1" smtClean="0"/>
+              <a:t>etc</a:t>
+            </a:r>
+            <a:r>
+              <a:rPr lang="en-US" dirty="0" smtClean="0"/>
+              <a:t>, </a:t>
+            </a:r>
+            <a:r>
+              <a:rPr lang="en-US" dirty="0" err="1" smtClean="0"/>
+              <a:t>etc</a:t>
+            </a:r>
+            <a:r>
+              <a:rPr lang="en-US" dirty="0" smtClean="0"/>
+              <a:t>!</a:t>
+            </a:r>
+          </a:p>
+        </p:txBody>
+      </p:sp>
+    </p:spTree>
+    <p:extLst>
+      <p:ext uri="{BB962C8B-B14F-4D97-AF65-F5344CB8AC3E}">
+        <p14:creationId xmlns:p14="http://schemas.microsoft.com/office/powerpoint/2010/main" val="3372734155"/>
+      </p:ext>
+    </p:extLst>
+  </p:cSld>
+  <p:clrMapOvr>
+    <a:masterClrMapping/>
+  </p:clrMapOvr>
+</p:sld>
+</file>
+
+<file path=ppt/slides/slide14.xml><?xml version="1.0" encoding="utf-8"?>
+<p:sld xmlns:a="http://schemas.openxmlformats.org/drawingml/2006/main" xmlns:r="http://schemas.openxmlformats.org/officeDocument/2006/relationships" xmlns:p="http://schemas.openxmlformats.org/presentationml/2006/main">
+  <p:cSld>
+    <p:spTree>
+      <p:nvGrpSpPr>
+        <p:cNvPr id="1" name=""/>
+        <p:cNvGrpSpPr/>
+        <p:nvPr/>
+      </p:nvGrpSpPr>
+      <p:grpSpPr>
+        <a:xfrm>
+          <a:off x="0" y="0"/>
+          <a:ext cx="0" cy="0"/>
+          <a:chOff x="0" y="0"/>
+          <a:chExt cx="0" cy="0"/>
+        </a:xfrm>
+      </p:grpSpPr>
+      <p:sp>
+        <p:nvSpPr>
+          <p:cNvPr id="2" name="Title 1"/>
+          <p:cNvSpPr>
+            <a:spLocks noGrp="1"/>
+          </p:cNvSpPr>
+          <p:nvPr>
+            <p:ph type="title"/>
+          </p:nvPr>
+        </p:nvSpPr>
+        <p:spPr/>
+        <p:txBody>
+          <a:bodyPr/>
+          <a:lstStyle/>
+          <a:p>
+            <a:r>
+              <a:rPr lang="en-US" dirty="0" smtClean="0"/>
+              <a:t>Other Public </a:t>
+            </a:r>
+            <a:r>
+              <a:rPr lang="en-US" dirty="0" err="1" smtClean="0"/>
+              <a:t>PaaS</a:t>
+            </a:r>
+            <a:r>
+              <a:rPr lang="en-US" dirty="0" smtClean="0"/>
+              <a:t> options</a:t>
+            </a:r>
+            <a:endParaRPr lang="en-US" dirty="0"/>
+          </a:p>
+        </p:txBody>
+      </p:sp>
+      <p:sp>
+        <p:nvSpPr>
+          <p:cNvPr id="3" name="Content Placeholder 2"/>
+          <p:cNvSpPr>
+            <a:spLocks noGrp="1"/>
+          </p:cNvSpPr>
+          <p:nvPr>
+            <p:ph idx="1"/>
+          </p:nvPr>
+        </p:nvSpPr>
+        <p:spPr/>
+        <p:txBody>
+          <a:bodyPr/>
+          <a:lstStyle/>
+          <a:p>
+            <a:r>
+              <a:rPr lang="en-US" dirty="0" smtClean="0"/>
+              <a:t>Google App Engine</a:t>
+            </a:r>
+          </a:p>
+          <a:p>
+            <a:r>
+              <a:rPr lang="en-US" dirty="0" err="1" smtClean="0"/>
+              <a:t>Force.com</a:t>
+            </a:r>
+            <a:r>
+              <a:rPr lang="en-US" dirty="0" smtClean="0"/>
+              <a:t> App Cloud</a:t>
+            </a:r>
+          </a:p>
+          <a:p>
+            <a:pPr lvl="1"/>
+            <a:r>
+              <a:rPr lang="en-US" dirty="0" err="1" smtClean="0"/>
+              <a:t>Heroku</a:t>
+            </a:r>
+            <a:r>
+              <a:rPr lang="en-US" dirty="0" smtClean="0"/>
+              <a:t> </a:t>
+            </a:r>
+          </a:p>
+          <a:p>
+            <a:r>
+              <a:rPr lang="en-US" dirty="0" smtClean="0"/>
+              <a:t>IBM </a:t>
+            </a:r>
+            <a:r>
+              <a:rPr lang="en-US" dirty="0" err="1" smtClean="0"/>
+              <a:t>Bluemix</a:t>
+            </a:r>
+            <a:endParaRPr lang="en-US" dirty="0" smtClean="0"/>
+          </a:p>
+          <a:p>
+            <a:r>
+              <a:rPr lang="en-US" dirty="0" err="1" smtClean="0"/>
+              <a:t>RedHat</a:t>
+            </a:r>
+            <a:r>
+              <a:rPr lang="en-US" dirty="0" smtClean="0"/>
+              <a:t> </a:t>
+            </a:r>
+            <a:r>
+              <a:rPr lang="en-US" dirty="0" err="1" smtClean="0"/>
+              <a:t>OpenShift</a:t>
+            </a:r>
+            <a:endParaRPr lang="en-US" dirty="0" smtClean="0"/>
+          </a:p>
+          <a:p>
+            <a:r>
+              <a:rPr lang="en-US" dirty="0" smtClean="0"/>
+              <a:t>WSO2 Cloud</a:t>
+            </a:r>
+          </a:p>
+          <a:p>
+            <a:r>
+              <a:rPr lang="en-US" dirty="0" err="1" smtClean="0"/>
+              <a:t>EngineYard</a:t>
+            </a:r>
+            <a:endParaRPr lang="en-US" dirty="0" smtClean="0"/>
+          </a:p>
+        </p:txBody>
+      </p:sp>
+    </p:spTree>
+    <p:extLst>
+      <p:ext uri="{BB962C8B-B14F-4D97-AF65-F5344CB8AC3E}">
+        <p14:creationId xmlns:p14="http://schemas.microsoft.com/office/powerpoint/2010/main" val="1093062750"/>
+      </p:ext>
+    </p:extLst>
+  </p:cSld>
+  <p:clrMapOvr>
+    <a:masterClrMapping/>
+  </p:clrMapOvr>
+</p:sld>
+</file>
+
+<file path=ppt/slides/slide15.xml><?xml version="1.0" encoding="utf-8"?>
+<p:sld xmlns:a="http://schemas.openxmlformats.org/drawingml/2006/main" xmlns:r="http://schemas.openxmlformats.org/officeDocument/2006/relationships" xmlns:p="http://schemas.openxmlformats.org/presentationml/2006/main">
+  <p:cSld>
+    <p:spTree>
+      <p:nvGrpSpPr>
+        <p:cNvPr id="1" name=""/>
+        <p:cNvGrpSpPr/>
+        <p:nvPr/>
+      </p:nvGrpSpPr>
+      <p:grpSpPr>
+        <a:xfrm>
+          <a:off x="0" y="0"/>
+          <a:ext cx="0" cy="0"/>
+          <a:chOff x="0" y="0"/>
+          <a:chExt cx="0" cy="0"/>
+        </a:xfrm>
+      </p:grpSpPr>
+      <p:sp>
+        <p:nvSpPr>
+          <p:cNvPr id="2" name="Title 1"/>
+          <p:cNvSpPr>
+            <a:spLocks noGrp="1"/>
+          </p:cNvSpPr>
+          <p:nvPr>
+            <p:ph type="title"/>
+          </p:nvPr>
+        </p:nvSpPr>
+        <p:spPr/>
+        <p:txBody>
+          <a:bodyPr/>
+          <a:lstStyle/>
+          <a:p>
+            <a:r>
+              <a:rPr lang="en-US" dirty="0" smtClean="0"/>
+              <a:t>Private </a:t>
+            </a:r>
+            <a:r>
+              <a:rPr lang="en-US" dirty="0" err="1" smtClean="0"/>
+              <a:t>PaaS</a:t>
+            </a:r>
+            <a:r>
+              <a:rPr lang="en-US" dirty="0" smtClean="0"/>
+              <a:t> options</a:t>
+            </a:r>
+            <a:endParaRPr lang="en-US" dirty="0"/>
+          </a:p>
+        </p:txBody>
+      </p:sp>
+      <p:sp>
+        <p:nvSpPr>
+          <p:cNvPr id="3" name="Content Placeholder 2"/>
+          <p:cNvSpPr>
+            <a:spLocks noGrp="1"/>
+          </p:cNvSpPr>
+          <p:nvPr>
+            <p:ph idx="1"/>
+          </p:nvPr>
+        </p:nvSpPr>
+        <p:spPr/>
+        <p:txBody>
+          <a:bodyPr/>
+          <a:lstStyle/>
+          <a:p>
+            <a:r>
+              <a:rPr lang="en-US" dirty="0" smtClean="0"/>
+              <a:t>Pivotal </a:t>
+            </a:r>
+            <a:r>
+              <a:rPr lang="en-US" dirty="0" err="1" smtClean="0"/>
+              <a:t>CloudFoundry</a:t>
+            </a:r>
+            <a:endParaRPr lang="en-US" dirty="0" smtClean="0"/>
+          </a:p>
+          <a:p>
+            <a:pPr lvl="1"/>
+            <a:r>
+              <a:rPr lang="en-US" dirty="0" smtClean="0"/>
+              <a:t>The market leader</a:t>
+            </a:r>
+          </a:p>
+          <a:p>
+            <a:r>
+              <a:rPr lang="en-US" dirty="0" err="1" smtClean="0"/>
+              <a:t>Redhat</a:t>
+            </a:r>
+            <a:r>
+              <a:rPr lang="en-US" dirty="0" smtClean="0"/>
+              <a:t> </a:t>
+            </a:r>
+            <a:r>
+              <a:rPr lang="en-US" dirty="0" err="1" smtClean="0"/>
+              <a:t>OpenShift</a:t>
+            </a:r>
+            <a:endParaRPr lang="en-US" dirty="0" smtClean="0"/>
+          </a:p>
+          <a:p>
+            <a:r>
+              <a:rPr lang="en-US" dirty="0" smtClean="0"/>
+              <a:t>Apache </a:t>
+            </a:r>
+            <a:r>
+              <a:rPr lang="en-US" dirty="0" err="1" smtClean="0"/>
+              <a:t>Stratos</a:t>
+            </a:r>
+            <a:r>
+              <a:rPr lang="en-US" dirty="0" smtClean="0"/>
+              <a:t> </a:t>
+            </a:r>
+            <a:endParaRPr lang="en-US" dirty="0"/>
+          </a:p>
+        </p:txBody>
+      </p:sp>
+    </p:spTree>
+    <p:extLst>
+      <p:ext uri="{BB962C8B-B14F-4D97-AF65-F5344CB8AC3E}">
+        <p14:creationId xmlns:p14="http://schemas.microsoft.com/office/powerpoint/2010/main" val="1388653344"/>
+      </p:ext>
+    </p:extLst>
+  </p:cSld>
+  <p:clrMapOvr>
+    <a:masterClrMapping/>
+  </p:clrMapOvr>
+</p:sld>
+</file>
+
+<file path=ppt/slides/slide16.xml><?xml version="1.0" encoding="utf-8"?>
+<p:sld xmlns:a="http://schemas.openxmlformats.org/drawingml/2006/main" xmlns:r="http://schemas.openxmlformats.org/officeDocument/2006/relationships" xmlns:p="http://schemas.openxmlformats.org/presentationml/2006/main">
+  <p:cSld>
+    <p:spTree>
+      <p:nvGrpSpPr>
+        <p:cNvPr id="1" name=""/>
+        <p:cNvGrpSpPr/>
+        <p:nvPr/>
+      </p:nvGrpSpPr>
+      <p:grpSpPr>
+        <a:xfrm>
+          <a:off x="0" y="0"/>
+          <a:ext cx="0" cy="0"/>
+          <a:chOff x="0" y="0"/>
+          <a:chExt cx="0" cy="0"/>
+        </a:xfrm>
+      </p:grpSpPr>
+      <p:sp>
+        <p:nvSpPr>
+          <p:cNvPr id="2" name="Title 1"/>
+          <p:cNvSpPr>
+            <a:spLocks noGrp="1"/>
+          </p:cNvSpPr>
+          <p:nvPr>
+            <p:ph type="title"/>
+          </p:nvPr>
+        </p:nvSpPr>
+        <p:spPr/>
+        <p:txBody>
+          <a:bodyPr/>
+          <a:lstStyle/>
+          <a:p>
+            <a:r>
+              <a:rPr lang="en-US" dirty="0" smtClean="0"/>
+              <a:t>Platform as a Service model</a:t>
+            </a:r>
+            <a:endParaRPr lang="en-US" dirty="0"/>
+          </a:p>
+        </p:txBody>
+      </p:sp>
+      <p:pic>
+        <p:nvPicPr>
+          <p:cNvPr id="4" name="Picture 3"/>
+          <p:cNvPicPr>
+            <a:picLocks noChangeAspect="1"/>
+          </p:cNvPicPr>
+          <p:nvPr/>
+        </p:nvPicPr>
+        <p:blipFill>
+          <a:blip r:embed="rId2"/>
+          <a:stretch>
+            <a:fillRect/>
+          </a:stretch>
+        </p:blipFill>
+        <p:spPr>
+          <a:xfrm>
+            <a:off x="730305" y="1218663"/>
+            <a:ext cx="7585836" cy="4807860"/>
+          </a:xfrm>
+          <a:prstGeom prst="rect">
+            <a:avLst/>
+          </a:prstGeom>
+        </p:spPr>
+      </p:pic>
+    </p:spTree>
+    <p:extLst>
+      <p:ext uri="{BB962C8B-B14F-4D97-AF65-F5344CB8AC3E}">
+        <p14:creationId xmlns:p14="http://schemas.microsoft.com/office/powerpoint/2010/main" val="62200704"/>
+      </p:ext>
+    </p:extLst>
+  </p:cSld>
+  <p:clrMapOvr>
+    <a:masterClrMapping/>
+  </p:clrMapOvr>
+</p:sld>
+</file>
+
+<file path=ppt/slides/slide17.xml><?xml version="1.0" encoding="utf-8"?>
+<p:sld xmlns:a="http://schemas.openxmlformats.org/drawingml/2006/main" xmlns:r="http://schemas.openxmlformats.org/officeDocument/2006/relationships" xmlns:p="http://schemas.openxmlformats.org/presentationml/2006/main">
+  <p:cSld>
+    <p:spTree>
+      <p:nvGrpSpPr>
+        <p:cNvPr id="1" name=""/>
+        <p:cNvGrpSpPr/>
+        <p:nvPr/>
+      </p:nvGrpSpPr>
+      <p:grpSpPr>
+        <a:xfrm>
+          <a:off x="0" y="0"/>
+          <a:ext cx="0" cy="0"/>
+          <a:chOff x="0" y="0"/>
+          <a:chExt cx="0" cy="0"/>
+        </a:xfrm>
+      </p:grpSpPr>
+      <p:sp>
+        <p:nvSpPr>
+          <p:cNvPr id="2" name="Title 1"/>
+          <p:cNvSpPr>
+            <a:spLocks noGrp="1"/>
+          </p:cNvSpPr>
+          <p:nvPr>
+            <p:ph type="title"/>
+          </p:nvPr>
+        </p:nvSpPr>
+        <p:spPr/>
+        <p:txBody>
+          <a:bodyPr/>
+          <a:lstStyle/>
+          <a:p>
+            <a:r>
+              <a:rPr lang="en-US" dirty="0" err="1" smtClean="0"/>
+              <a:t>PaaS</a:t>
+            </a:r>
+            <a:r>
+              <a:rPr lang="en-US" dirty="0" smtClean="0"/>
+              <a:t> and Containers</a:t>
+            </a:r>
+            <a:endParaRPr lang="en-US" dirty="0"/>
+          </a:p>
+        </p:txBody>
+      </p:sp>
+      <p:sp>
+        <p:nvSpPr>
+          <p:cNvPr id="3" name="Content Placeholder 2"/>
+          <p:cNvSpPr>
+            <a:spLocks noGrp="1"/>
+          </p:cNvSpPr>
+          <p:nvPr>
+            <p:ph idx="1"/>
+          </p:nvPr>
+        </p:nvSpPr>
+        <p:spPr/>
+        <p:txBody>
+          <a:bodyPr/>
+          <a:lstStyle/>
+          <a:p>
+            <a:pPr marL="0" indent="0">
+              <a:buNone/>
+            </a:pPr>
+            <a:endParaRPr lang="en-US" dirty="0" smtClean="0"/>
+          </a:p>
+          <a:p>
+            <a:pPr marL="0" indent="0">
+              <a:buNone/>
+            </a:pPr>
+            <a:endParaRPr lang="en-US" dirty="0"/>
+          </a:p>
+          <a:p>
+            <a:pPr marL="0" indent="0">
+              <a:buNone/>
+            </a:pPr>
+            <a:endParaRPr lang="en-US" dirty="0" smtClean="0"/>
+          </a:p>
+          <a:p>
+            <a:pPr marL="0" indent="0">
+              <a:buNone/>
+            </a:pPr>
+            <a:r>
+              <a:rPr lang="en-US" dirty="0" smtClean="0"/>
+              <a:t>To be covered more later!</a:t>
+            </a:r>
+            <a:endParaRPr lang="en-US" dirty="0"/>
+          </a:p>
+        </p:txBody>
+      </p:sp>
+    </p:spTree>
+    <p:extLst>
+      <p:ext uri="{BB962C8B-B14F-4D97-AF65-F5344CB8AC3E}">
+        <p14:creationId xmlns:p14="http://schemas.microsoft.com/office/powerpoint/2010/main" val="2742401087"/>
+      </p:ext>
+    </p:extLst>
+  </p:cSld>
+  <p:clrMapOvr>
+    <a:masterClrMapping/>
+  </p:clrMapOvr>
+</p:sld>
+</file>
+
+<file path=ppt/slides/slide18.xml><?xml version="1.0" encoding="utf-8"?>
+<p:sld xmlns:a="http://schemas.openxmlformats.org/drawingml/2006/main" xmlns:r="http://schemas.openxmlformats.org/officeDocument/2006/relationships" xmlns:p="http://schemas.openxmlformats.org/presentationml/2006/main">
+  <p:cSld>
+    <p:spTree>
+      <p:nvGrpSpPr>
+        <p:cNvPr id="1" name=""/>
+        <p:cNvGrpSpPr/>
+        <p:nvPr/>
+      </p:nvGrpSpPr>
+      <p:grpSpPr>
+        <a:xfrm>
+          <a:off x="0" y="0"/>
+          <a:ext cx="0" cy="0"/>
+          <a:chOff x="0" y="0"/>
+          <a:chExt cx="0" cy="0"/>
+        </a:xfrm>
+      </p:grpSpPr>
+      <p:sp>
+        <p:nvSpPr>
+          <p:cNvPr id="2" name="Title 1"/>
+          <p:cNvSpPr>
+            <a:spLocks noGrp="1"/>
+          </p:cNvSpPr>
+          <p:nvPr>
+            <p:ph type="title"/>
+          </p:nvPr>
+        </p:nvSpPr>
+        <p:spPr/>
+        <p:txBody>
+          <a:bodyPr/>
+          <a:lstStyle/>
+          <a:p>
+            <a:r>
+              <a:rPr lang="en-US" dirty="0" smtClean="0"/>
+              <a:t>Back to Amazon AWS</a:t>
+            </a:r>
+            <a:endParaRPr lang="en-US" dirty="0"/>
+          </a:p>
+        </p:txBody>
+      </p:sp>
+      <p:sp>
+        <p:nvSpPr>
+          <p:cNvPr id="3" name="Content Placeholder 2"/>
+          <p:cNvSpPr>
+            <a:spLocks noGrp="1"/>
+          </p:cNvSpPr>
+          <p:nvPr>
+            <p:ph idx="1"/>
+          </p:nvPr>
+        </p:nvSpPr>
+        <p:spPr/>
+        <p:txBody>
+          <a:bodyPr/>
+          <a:lstStyle/>
+          <a:p>
+            <a:r>
+              <a:rPr lang="en-US" dirty="0" smtClean="0"/>
+              <a:t>Three ways to interact</a:t>
+            </a:r>
+          </a:p>
+          <a:p>
+            <a:pPr lvl="1"/>
+            <a:r>
+              <a:rPr lang="en-US" dirty="0" smtClean="0"/>
+              <a:t>Amazon Dashboard (web)</a:t>
+            </a:r>
+          </a:p>
+          <a:p>
+            <a:pPr lvl="1"/>
+            <a:r>
+              <a:rPr lang="en-US" dirty="0" smtClean="0"/>
+              <a:t>APIs and Command-Line</a:t>
+            </a:r>
+          </a:p>
+          <a:p>
+            <a:pPr lvl="1"/>
+            <a:r>
+              <a:rPr lang="en-US" dirty="0" smtClean="0"/>
+              <a:t>Third-party tools</a:t>
+            </a:r>
+          </a:p>
+          <a:p>
+            <a:pPr lvl="2"/>
+            <a:r>
+              <a:rPr lang="en-US" dirty="0" err="1" smtClean="0"/>
+              <a:t>ElasticFox</a:t>
+            </a:r>
+            <a:r>
+              <a:rPr lang="en-US" dirty="0" smtClean="0"/>
+              <a:t>, </a:t>
+            </a:r>
+            <a:r>
+              <a:rPr lang="en-US" dirty="0" err="1" smtClean="0"/>
+              <a:t>HybridFox</a:t>
+            </a:r>
+            <a:endParaRPr lang="en-US" dirty="0" smtClean="0"/>
+          </a:p>
+          <a:p>
+            <a:pPr lvl="2"/>
+            <a:r>
+              <a:rPr lang="en-US" dirty="0" err="1" smtClean="0"/>
+              <a:t>Scalr</a:t>
+            </a:r>
+            <a:endParaRPr lang="en-US" dirty="0"/>
+          </a:p>
+        </p:txBody>
+      </p:sp>
+    </p:spTree>
+    <p:extLst>
+      <p:ext uri="{BB962C8B-B14F-4D97-AF65-F5344CB8AC3E}">
+        <p14:creationId xmlns:p14="http://schemas.microsoft.com/office/powerpoint/2010/main" val="1411178390"/>
+      </p:ext>
+    </p:extLst>
+  </p:cSld>
+  <p:clrMapOvr>
+    <a:masterClrMapping/>
+  </p:clrMapOvr>
+</p:sld>
+</file>
+
+<file path=ppt/slides/slide19.xml><?xml version="1.0" encoding="utf-8"?>
+<p:sld xmlns:a="http://schemas.openxmlformats.org/drawingml/2006/main" xmlns:r="http://schemas.openxmlformats.org/officeDocument/2006/relationships" xmlns:p="http://schemas.openxmlformats.org/presentationml/2006/main">
+  <p:cSld>
+    <p:spTree>
+      <p:nvGrpSpPr>
+        <p:cNvPr id="1" name=""/>
+        <p:cNvGrpSpPr/>
+        <p:nvPr/>
+      </p:nvGrpSpPr>
+      <p:grpSpPr>
+        <a:xfrm>
+          <a:off x="0" y="0"/>
+          <a:ext cx="0" cy="0"/>
+          <a:chOff x="0" y="0"/>
+          <a:chExt cx="0" cy="0"/>
+        </a:xfrm>
+      </p:grpSpPr>
+      <p:sp>
+        <p:nvSpPr>
+          <p:cNvPr id="2" name="Title 1"/>
+          <p:cNvSpPr>
+            <a:spLocks noGrp="1"/>
+          </p:cNvSpPr>
+          <p:nvPr>
+            <p:ph type="title"/>
+          </p:nvPr>
+        </p:nvSpPr>
+        <p:spPr/>
+        <p:txBody>
+          <a:bodyPr/>
+          <a:lstStyle/>
+          <a:p>
+            <a:r>
+              <a:rPr lang="en-US" dirty="0" smtClean="0"/>
+              <a:t>Amazon EC2 Dashboard</a:t>
+            </a:r>
+            <a:endParaRPr lang="en-US" dirty="0"/>
+          </a:p>
+        </p:txBody>
+      </p:sp>
+      <p:pic>
+        <p:nvPicPr>
+          <p:cNvPr id="4" name="Picture 3"/>
+          <p:cNvPicPr>
+            <a:picLocks noChangeAspect="1"/>
+          </p:cNvPicPr>
+          <p:nvPr/>
+        </p:nvPicPr>
+        <p:blipFill>
+          <a:blip r:embed="rId2"/>
+          <a:stretch>
+            <a:fillRect/>
+          </a:stretch>
+        </p:blipFill>
+        <p:spPr>
+          <a:xfrm>
+            <a:off x="0" y="1308100"/>
+            <a:ext cx="9144000" cy="4235450"/>
+          </a:xfrm>
+          <a:prstGeom prst="rect">
+            <a:avLst/>
+          </a:prstGeom>
+        </p:spPr>
+      </p:pic>
+    </p:spTree>
+    <p:extLst>
+      <p:ext uri="{BB962C8B-B14F-4D97-AF65-F5344CB8AC3E}">
+        <p14:creationId xmlns:p14="http://schemas.microsoft.com/office/powerpoint/2010/main" val="2704509078"/>
+      </p:ext>
+    </p:extLst>
+  </p:cSld>
+  <p:clrMapOvr>
+    <a:masterClrMapping/>
+  </p:clrMapOvr>
+</p:sld>
+</file>
+
 <file path=ppt/slides/slide2.xml><?xml version="1.0" encoding="utf-8"?>
 <p:sld xmlns:a="http://schemas.openxmlformats.org/drawingml/2006/main" xmlns:r="http://schemas.openxmlformats.org/officeDocument/2006/relationships" xmlns:p="http://schemas.openxmlformats.org/presentationml/2006/main">
   <p:cSld>
@@ -4117,16 +5508,6 @@
           <a:p>
             <a:pPr eaLnBrk="1" hangingPunct="1"/>
             <a:r>
-              <a:rPr lang="en-US" dirty="0" smtClean="0">
-                <a:ea typeface="ヒラギノ角ゴ ProN W3" charset="0"/>
-                <a:cs typeface="ヒラギノ角ゴ ProN W3" charset="0"/>
-              </a:rPr>
-              <a:t>Different types of Cloud Services</a:t>
-            </a:r>
-          </a:p>
-          <a:p>
-            <a:pPr eaLnBrk="1" hangingPunct="1"/>
-            <a:r>
               <a:rPr lang="en-US" dirty="0" err="1" smtClean="0">
                 <a:ea typeface="ヒラギノ角ゴ ProN W3" charset="0"/>
                 <a:cs typeface="ヒラギノ角ゴ ProN W3" charset="0"/>
@@ -4134,7 +5515,7 @@
               <a:t>IaaS</a:t>
             </a:r>
             <a:r>
-              <a:rPr lang="en-US" dirty="0">
+              <a:rPr lang="en-US" dirty="0" smtClean="0">
                 <a:ea typeface="ヒラギノ角ゴ ProN W3" charset="0"/>
                 <a:cs typeface="ヒラギノ角ゴ ProN W3" charset="0"/>
               </a:rPr>
@@ -4264,6 +5645,191 @@
 </p:sld>
 </file>
 
+<file path=ppt/slides/slide20.xml><?xml version="1.0" encoding="utf-8"?>
+<p:sld xmlns:a="http://schemas.openxmlformats.org/drawingml/2006/main" xmlns:r="http://schemas.openxmlformats.org/officeDocument/2006/relationships" xmlns:p="http://schemas.openxmlformats.org/presentationml/2006/main">
+  <p:cSld>
+    <p:spTree>
+      <p:nvGrpSpPr>
+        <p:cNvPr id="1" name=""/>
+        <p:cNvGrpSpPr/>
+        <p:nvPr/>
+      </p:nvGrpSpPr>
+      <p:grpSpPr>
+        <a:xfrm>
+          <a:off x="0" y="0"/>
+          <a:ext cx="0" cy="0"/>
+          <a:chOff x="0" y="0"/>
+          <a:chExt cx="0" cy="0"/>
+        </a:xfrm>
+      </p:grpSpPr>
+      <p:sp>
+        <p:nvSpPr>
+          <p:cNvPr id="2" name="Title 1"/>
+          <p:cNvSpPr>
+            <a:spLocks noGrp="1"/>
+          </p:cNvSpPr>
+          <p:nvPr>
+            <p:ph type="title"/>
+          </p:nvPr>
+        </p:nvSpPr>
+        <p:spPr/>
+        <p:txBody>
+          <a:bodyPr/>
+          <a:lstStyle/>
+          <a:p>
+            <a:r>
+              <a:rPr lang="en-US" dirty="0" smtClean="0"/>
+              <a:t>Amazon EC2 demo</a:t>
+            </a:r>
+            <a:endParaRPr lang="en-US" dirty="0"/>
+          </a:p>
+        </p:txBody>
+      </p:sp>
+    </p:spTree>
+    <p:extLst>
+      <p:ext uri="{BB962C8B-B14F-4D97-AF65-F5344CB8AC3E}">
+        <p14:creationId xmlns:p14="http://schemas.microsoft.com/office/powerpoint/2010/main" val="3430276963"/>
+      </p:ext>
+    </p:extLst>
+  </p:cSld>
+  <p:clrMapOvr>
+    <a:masterClrMapping/>
+  </p:clrMapOvr>
+</p:sld>
+</file>
+
+<file path=ppt/slides/slide21.xml><?xml version="1.0" encoding="utf-8"?>
+<p:sld xmlns:a="http://schemas.openxmlformats.org/drawingml/2006/main" xmlns:r="http://schemas.openxmlformats.org/officeDocument/2006/relationships" xmlns:p="http://schemas.openxmlformats.org/presentationml/2006/main">
+  <p:cSld>
+    <p:spTree>
+      <p:nvGrpSpPr>
+        <p:cNvPr id="1" name=""/>
+        <p:cNvGrpSpPr/>
+        <p:nvPr/>
+      </p:nvGrpSpPr>
+      <p:grpSpPr>
+        <a:xfrm>
+          <a:off x="0" y="0"/>
+          <a:ext cx="0" cy="0"/>
+          <a:chOff x="0" y="0"/>
+          <a:chExt cx="0" cy="0"/>
+        </a:xfrm>
+      </p:grpSpPr>
+      <p:sp>
+        <p:nvSpPr>
+          <p:cNvPr id="2" name="Title 1"/>
+          <p:cNvSpPr>
+            <a:spLocks noGrp="1"/>
+          </p:cNvSpPr>
+          <p:nvPr>
+            <p:ph type="title"/>
+          </p:nvPr>
+        </p:nvSpPr>
+        <p:spPr/>
+        <p:txBody>
+          <a:bodyPr/>
+          <a:lstStyle/>
+          <a:p>
+            <a:r>
+              <a:rPr lang="en-US" dirty="0" smtClean="0"/>
+              <a:t>Summary</a:t>
+            </a:r>
+            <a:endParaRPr lang="en-US" dirty="0"/>
+          </a:p>
+        </p:txBody>
+      </p:sp>
+      <p:sp>
+        <p:nvSpPr>
+          <p:cNvPr id="3" name="Content Placeholder 2"/>
+          <p:cNvSpPr>
+            <a:spLocks noGrp="1"/>
+          </p:cNvSpPr>
+          <p:nvPr>
+            <p:ph idx="1"/>
+          </p:nvPr>
+        </p:nvSpPr>
+        <p:spPr/>
+        <p:txBody>
+          <a:bodyPr/>
+          <a:lstStyle/>
+          <a:p>
+            <a:r>
+              <a:rPr lang="en-US" dirty="0" err="1" smtClean="0"/>
+              <a:t>SaaS</a:t>
+            </a:r>
+            <a:r>
+              <a:rPr lang="en-US" dirty="0" smtClean="0"/>
+              <a:t>/</a:t>
+            </a:r>
+            <a:r>
+              <a:rPr lang="en-US" dirty="0" err="1" smtClean="0"/>
+              <a:t>PaaS</a:t>
+            </a:r>
+            <a:r>
+              <a:rPr lang="en-US" dirty="0" smtClean="0"/>
+              <a:t>/</a:t>
+            </a:r>
+            <a:r>
+              <a:rPr lang="en-US" dirty="0" err="1" smtClean="0"/>
+              <a:t>IaaS</a:t>
+            </a:r>
+            <a:endParaRPr lang="en-US" dirty="0" smtClean="0"/>
+          </a:p>
+          <a:p>
+            <a:r>
+              <a:rPr lang="en-US" dirty="0" err="1" smtClean="0"/>
+              <a:t>IaaS</a:t>
+            </a:r>
+            <a:r>
+              <a:rPr lang="en-US" dirty="0" smtClean="0"/>
+              <a:t> providers</a:t>
+            </a:r>
+          </a:p>
+          <a:p>
+            <a:r>
+              <a:rPr lang="en-US" dirty="0" err="1" smtClean="0"/>
+              <a:t>PaaS</a:t>
+            </a:r>
+            <a:r>
+              <a:rPr lang="en-US" dirty="0" smtClean="0"/>
+              <a:t> providers</a:t>
+            </a:r>
+          </a:p>
+          <a:p>
+            <a:r>
+              <a:rPr lang="en-US" dirty="0" smtClean="0"/>
+              <a:t>Working with AWS / EC2</a:t>
+            </a:r>
+          </a:p>
+          <a:p>
+            <a:r>
+              <a:rPr lang="en-US" smtClean="0"/>
+              <a:t>Now to do a lab!</a:t>
+            </a:r>
+            <a:endParaRPr lang="en-US" dirty="0" smtClean="0"/>
+          </a:p>
+          <a:p>
+            <a:endParaRPr lang="en-US" dirty="0" smtClean="0"/>
+          </a:p>
+          <a:p>
+            <a:pPr lvl="1"/>
+            <a:endParaRPr lang="en-US" dirty="0"/>
+          </a:p>
+        </p:txBody>
+      </p:sp>
+    </p:spTree>
+    <p:extLst>
+      <p:ext uri="{BB962C8B-B14F-4D97-AF65-F5344CB8AC3E}">
+        <p14:creationId xmlns:p14="http://schemas.microsoft.com/office/powerpoint/2010/main" val="1658235211"/>
+      </p:ext>
+    </p:extLst>
+  </p:cSld>
+  <p:clrMapOvr>
+    <a:masterClrMapping/>
+  </p:clrMapOvr>
+</p:sld>
+</file>
+
 <file path=ppt/slides/slide3.xml><?xml version="1.0" encoding="utf-8"?>
 <p:sld xmlns:a="http://schemas.openxmlformats.org/drawingml/2006/main" xmlns:r="http://schemas.openxmlformats.org/officeDocument/2006/relationships" xmlns:p="http://schemas.openxmlformats.org/presentationml/2006/main">
   <p:cSld>
@@ -4293,10 +5859,16 @@
         </p:nvSpPr>
         <p:spPr/>
         <p:txBody>
-          <a:bodyPr/>
-          <a:lstStyle/>
-          <a:p>
-            <a:endParaRPr lang="en-US"/>
+          <a:bodyPr>
+            <a:normAutofit fontScale="90000"/>
+          </a:bodyPr>
+          <a:lstStyle/>
+          <a:p>
+            <a:r>
+              <a:rPr lang="en-US" dirty="0" smtClean="0"/>
+              <a:t>Capabilities offered as-a-Service</a:t>
+            </a:r>
+            <a:endParaRPr lang="en-US" dirty="0"/>
           </a:p>
         </p:txBody>
       </p:sp>
@@ -4312,17 +5884,1091 @@
         </p:nvSpPr>
         <p:spPr/>
         <p:txBody>
-          <a:bodyPr/>
-          <a:lstStyle/>
-          <a:p>
-            <a:endParaRPr lang="en-US"/>
+          <a:bodyPr>
+            <a:normAutofit fontScale="92500" lnSpcReduction="10000"/>
+          </a:bodyPr>
+          <a:lstStyle/>
+          <a:p>
+            <a:r>
+              <a:rPr lang="en-US" dirty="0" smtClean="0"/>
+              <a:t>Software-as-a-Service</a:t>
+            </a:r>
+          </a:p>
+          <a:p>
+            <a:pPr lvl="1"/>
+            <a:r>
+              <a:rPr lang="en-US" dirty="0" err="1" smtClean="0"/>
+              <a:t>Salesforce</a:t>
+            </a:r>
+            <a:r>
+              <a:rPr lang="en-US" dirty="0" smtClean="0"/>
+              <a:t>, </a:t>
+            </a:r>
+            <a:r>
+              <a:rPr lang="en-US" dirty="0" err="1" smtClean="0"/>
+              <a:t>Quickbooks</a:t>
+            </a:r>
+            <a:r>
+              <a:rPr lang="en-US" dirty="0" smtClean="0"/>
+              <a:t> Online, Gmail, </a:t>
+            </a:r>
+            <a:r>
+              <a:rPr lang="en-US" dirty="0" err="1" smtClean="0"/>
+              <a:t>Gdrive</a:t>
+            </a:r>
+            <a:r>
+              <a:rPr lang="en-US" dirty="0" smtClean="0"/>
+              <a:t>, Office 365, </a:t>
+            </a:r>
+            <a:r>
+              <a:rPr lang="en-US" dirty="0" err="1" smtClean="0"/>
+              <a:t>etc</a:t>
+            </a:r>
+            <a:endParaRPr lang="en-US" dirty="0" smtClean="0"/>
+          </a:p>
+          <a:p>
+            <a:r>
+              <a:rPr lang="en-US" dirty="0" smtClean="0"/>
+              <a:t>Infrastructure-as-a-Service</a:t>
+            </a:r>
+          </a:p>
+          <a:p>
+            <a:pPr lvl="1"/>
+            <a:r>
+              <a:rPr lang="en-US" dirty="0" smtClean="0"/>
+              <a:t>CPUs, Memory, Disk, Networks, Firewalls, </a:t>
+            </a:r>
+            <a:r>
+              <a:rPr lang="en-US" dirty="0" err="1" smtClean="0"/>
+              <a:t>etc</a:t>
+            </a:r>
+            <a:endParaRPr lang="en-US" dirty="0" smtClean="0"/>
+          </a:p>
+          <a:p>
+            <a:pPr lvl="1"/>
+            <a:r>
+              <a:rPr lang="en-US" dirty="0" smtClean="0"/>
+              <a:t>Amazon AWS, </a:t>
+            </a:r>
+            <a:r>
+              <a:rPr lang="en-US" dirty="0" err="1" smtClean="0"/>
+              <a:t>Joyent</a:t>
+            </a:r>
+            <a:r>
+              <a:rPr lang="en-US" dirty="0" smtClean="0"/>
+              <a:t>, Microsoft Azure, IBM </a:t>
+            </a:r>
+            <a:r>
+              <a:rPr lang="en-US" dirty="0" err="1" smtClean="0"/>
+              <a:t>Softlayer</a:t>
+            </a:r>
+            <a:r>
+              <a:rPr lang="en-US" dirty="0" smtClean="0"/>
+              <a:t>, Rackspace, Google Compute Engine</a:t>
+            </a:r>
+          </a:p>
+          <a:p>
+            <a:r>
+              <a:rPr lang="en-US" dirty="0" smtClean="0"/>
+              <a:t>Platform-as-a-Service</a:t>
+            </a:r>
+          </a:p>
+          <a:p>
+            <a:pPr lvl="1"/>
+            <a:r>
+              <a:rPr lang="en-US" dirty="0" smtClean="0"/>
+              <a:t>Somewhere between!</a:t>
+            </a:r>
+            <a:endParaRPr lang="en-US" dirty="0"/>
           </a:p>
         </p:txBody>
       </p:sp>
     </p:spTree>
     <p:extLst>
       <p:ext uri="{BB962C8B-B14F-4D97-AF65-F5344CB8AC3E}">
-        <p14:creationId xmlns:p14="http://schemas.microsoft.com/office/powerpoint/2010/main" val="1801667116"/>
+        <p14:creationId xmlns:p14="http://schemas.microsoft.com/office/powerpoint/2010/main" val="2835123668"/>
+      </p:ext>
+    </p:extLst>
+  </p:cSld>
+  <p:clrMapOvr>
+    <a:masterClrMapping/>
+  </p:clrMapOvr>
+</p:sld>
+</file>
+
+<file path=ppt/slides/slide4.xml><?xml version="1.0" encoding="utf-8"?>
+<p:sld xmlns:a="http://schemas.openxmlformats.org/drawingml/2006/main" xmlns:r="http://schemas.openxmlformats.org/officeDocument/2006/relationships" xmlns:p="http://schemas.openxmlformats.org/presentationml/2006/main">
+  <p:cSld>
+    <p:spTree>
+      <p:nvGrpSpPr>
+        <p:cNvPr id="1" name=""/>
+        <p:cNvGrpSpPr/>
+        <p:nvPr/>
+      </p:nvGrpSpPr>
+      <p:grpSpPr>
+        <a:xfrm>
+          <a:off x="0" y="0"/>
+          <a:ext cx="0" cy="0"/>
+          <a:chOff x="0" y="0"/>
+          <a:chExt cx="0" cy="0"/>
+        </a:xfrm>
+      </p:grpSpPr>
+      <p:pic>
+        <p:nvPicPr>
+          <p:cNvPr id="5" name="Picture 4"/>
+          <p:cNvPicPr>
+            <a:picLocks noChangeAspect="1"/>
+          </p:cNvPicPr>
+          <p:nvPr/>
+        </p:nvPicPr>
+        <p:blipFill>
+          <a:blip r:embed="rId2"/>
+          <a:stretch>
+            <a:fillRect/>
+          </a:stretch>
+        </p:blipFill>
+        <p:spPr>
+          <a:xfrm>
+            <a:off x="0" y="567018"/>
+            <a:ext cx="9144000" cy="5229537"/>
+          </a:xfrm>
+          <a:prstGeom prst="rect">
+            <a:avLst/>
+          </a:prstGeom>
+        </p:spPr>
+      </p:pic>
+    </p:spTree>
+    <p:extLst>
+      <p:ext uri="{BB962C8B-B14F-4D97-AF65-F5344CB8AC3E}">
+        <p14:creationId xmlns:p14="http://schemas.microsoft.com/office/powerpoint/2010/main" val="2697099304"/>
+      </p:ext>
+    </p:extLst>
+  </p:cSld>
+  <p:clrMapOvr>
+    <a:masterClrMapping/>
+  </p:clrMapOvr>
+</p:sld>
+</file>
+
+<file path=ppt/slides/slide5.xml><?xml version="1.0" encoding="utf-8"?>
+<p:sld xmlns:a="http://schemas.openxmlformats.org/drawingml/2006/main" xmlns:r="http://schemas.openxmlformats.org/officeDocument/2006/relationships" xmlns:p="http://schemas.openxmlformats.org/presentationml/2006/main">
+  <p:cSld>
+    <p:spTree>
+      <p:nvGrpSpPr>
+        <p:cNvPr id="1" name=""/>
+        <p:cNvGrpSpPr/>
+        <p:nvPr/>
+      </p:nvGrpSpPr>
+      <p:grpSpPr>
+        <a:xfrm>
+          <a:off x="0" y="0"/>
+          <a:ext cx="0" cy="0"/>
+          <a:chOff x="0" y="0"/>
+          <a:chExt cx="0" cy="0"/>
+        </a:xfrm>
+      </p:grpSpPr>
+      <p:sp>
+        <p:nvSpPr>
+          <p:cNvPr id="2" name="Title 1"/>
+          <p:cNvSpPr>
+            <a:spLocks noGrp="1"/>
+          </p:cNvSpPr>
+          <p:nvPr>
+            <p:ph type="title"/>
+          </p:nvPr>
+        </p:nvSpPr>
+        <p:spPr/>
+        <p:txBody>
+          <a:bodyPr/>
+          <a:lstStyle/>
+          <a:p>
+            <a:r>
+              <a:rPr lang="en-US" dirty="0" smtClean="0"/>
+              <a:t>Infrastructure-as-a-Service</a:t>
+            </a:r>
+            <a:endParaRPr lang="en-US" dirty="0"/>
+          </a:p>
+        </p:txBody>
+      </p:sp>
+      <p:pic>
+        <p:nvPicPr>
+          <p:cNvPr id="4" name="Picture 3"/>
+          <p:cNvPicPr>
+            <a:picLocks noChangeAspect="1"/>
+          </p:cNvPicPr>
+          <p:nvPr/>
+        </p:nvPicPr>
+        <p:blipFill>
+          <a:blip r:embed="rId2"/>
+          <a:stretch>
+            <a:fillRect/>
+          </a:stretch>
+        </p:blipFill>
+        <p:spPr>
+          <a:xfrm>
+            <a:off x="0" y="274638"/>
+            <a:ext cx="9144000" cy="5651560"/>
+          </a:xfrm>
+          <a:prstGeom prst="rect">
+            <a:avLst/>
+          </a:prstGeom>
+        </p:spPr>
+      </p:pic>
+    </p:spTree>
+    <p:extLst>
+      <p:ext uri="{BB962C8B-B14F-4D97-AF65-F5344CB8AC3E}">
+        <p14:creationId xmlns:p14="http://schemas.microsoft.com/office/powerpoint/2010/main" val="14257982"/>
+      </p:ext>
+    </p:extLst>
+  </p:cSld>
+  <p:clrMapOvr>
+    <a:masterClrMapping/>
+  </p:clrMapOvr>
+</p:sld>
+</file>
+
+<file path=ppt/slides/slide6.xml><?xml version="1.0" encoding="utf-8"?>
+<p:sld xmlns:a="http://schemas.openxmlformats.org/drawingml/2006/main" xmlns:r="http://schemas.openxmlformats.org/officeDocument/2006/relationships" xmlns:p="http://schemas.openxmlformats.org/presentationml/2006/main">
+  <p:cSld>
+    <p:spTree>
+      <p:nvGrpSpPr>
+        <p:cNvPr id="1" name=""/>
+        <p:cNvGrpSpPr/>
+        <p:nvPr/>
+      </p:nvGrpSpPr>
+      <p:grpSpPr>
+        <a:xfrm>
+          <a:off x="0" y="0"/>
+          <a:ext cx="0" cy="0"/>
+          <a:chOff x="0" y="0"/>
+          <a:chExt cx="0" cy="0"/>
+        </a:xfrm>
+      </p:grpSpPr>
+      <p:sp>
+        <p:nvSpPr>
+          <p:cNvPr id="9" name="Rounded Rectangle 8"/>
+          <p:cNvSpPr/>
+          <p:nvPr/>
+        </p:nvSpPr>
+        <p:spPr>
+          <a:xfrm>
+            <a:off x="611188" y="3021930"/>
+            <a:ext cx="8281987" cy="1366838"/>
+          </a:xfrm>
+          <a:prstGeom prst="roundRect">
+            <a:avLst/>
+          </a:prstGeom>
+        </p:spPr>
+        <p:style>
+          <a:lnRef idx="1">
+            <a:schemeClr val="accent4"/>
+          </a:lnRef>
+          <a:fillRef idx="2">
+            <a:schemeClr val="accent4"/>
+          </a:fillRef>
+          <a:effectRef idx="1">
+            <a:schemeClr val="accent4"/>
+          </a:effectRef>
+          <a:fontRef idx="minor">
+            <a:schemeClr val="dk1"/>
+          </a:fontRef>
+        </p:style>
+        <p:txBody>
+          <a:bodyPr anchor="ctr"/>
+          <a:lstStyle/>
+          <a:p>
+            <a:pPr algn="ctr">
+              <a:defRPr/>
+            </a:pPr>
+            <a:r>
+              <a:rPr lang="en-US" sz="2800" dirty="0" smtClean="0">
+                <a:latin typeface="Montserrat"/>
+                <a:cs typeface="Montserrat"/>
+              </a:rPr>
+              <a:t>Platform as a Service</a:t>
+            </a:r>
+            <a:endParaRPr lang="en-US" sz="2800" dirty="0">
+              <a:latin typeface="Montserrat"/>
+              <a:cs typeface="Montserrat"/>
+            </a:endParaRPr>
+          </a:p>
+        </p:txBody>
+      </p:sp>
+      <p:sp>
+        <p:nvSpPr>
+          <p:cNvPr id="20481" name="Title 1"/>
+          <p:cNvSpPr>
+            <a:spLocks noGrp="1"/>
+          </p:cNvSpPr>
+          <p:nvPr>
+            <p:ph type="title"/>
+          </p:nvPr>
+        </p:nvSpPr>
+        <p:spPr/>
+        <p:txBody>
+          <a:bodyPr>
+            <a:normAutofit/>
+          </a:bodyPr>
+          <a:lstStyle/>
+          <a:p>
+            <a:r>
+              <a:rPr lang="en-US" dirty="0" err="1" smtClean="0">
+                <a:ea typeface="ＭＳ Ｐゴシック" charset="0"/>
+              </a:rPr>
+              <a:t>IaaS</a:t>
+            </a:r>
+            <a:r>
+              <a:rPr lang="en-US" dirty="0" smtClean="0">
+                <a:ea typeface="ＭＳ Ｐゴシック" charset="0"/>
+              </a:rPr>
+              <a:t>, </a:t>
+            </a:r>
+            <a:r>
+              <a:rPr lang="en-US" dirty="0" err="1" smtClean="0">
+                <a:ea typeface="ＭＳ Ｐゴシック" charset="0"/>
+              </a:rPr>
+              <a:t>PaaS</a:t>
+            </a:r>
+            <a:r>
+              <a:rPr lang="en-US" dirty="0" smtClean="0">
+                <a:ea typeface="ＭＳ Ｐゴシック" charset="0"/>
+              </a:rPr>
+              <a:t>, </a:t>
+            </a:r>
+            <a:r>
+              <a:rPr lang="en-US" dirty="0" err="1" smtClean="0">
+                <a:ea typeface="ＭＳ Ｐゴシック" charset="0"/>
+              </a:rPr>
+              <a:t>SaaS</a:t>
+            </a:r>
+            <a:endParaRPr lang="en-US" dirty="0">
+              <a:ea typeface="ＭＳ Ｐゴシック" charset="0"/>
+            </a:endParaRPr>
+          </a:p>
+        </p:txBody>
+      </p:sp>
+      <p:sp>
+        <p:nvSpPr>
+          <p:cNvPr id="20482" name="Slide Number Placeholder 3"/>
+          <p:cNvSpPr>
+            <a:spLocks noGrp="1"/>
+          </p:cNvSpPr>
+          <p:nvPr>
+            <p:ph type="sldNum" sz="quarter" idx="12"/>
+          </p:nvPr>
+        </p:nvSpPr>
+        <p:spPr bwMode="auto">
+          <a:xfrm>
+            <a:off x="6553200" y="6165180"/>
+            <a:ext cx="2133600" cy="365125"/>
+          </a:xfrm>
+          <a:noFill/>
+          <a:extLst>
+            <a:ext uri="{909E8E84-426E-40dd-AFC4-6F175D3DCCD1}">
+              <a14:hiddenFill xmlns:a14="http://schemas.microsoft.com/office/drawing/2010/main">
+                <a:solidFill>
+                  <a:srgbClr val="FFFFFF"/>
+                </a:solidFill>
+              </a14:hiddenFill>
+            </a:ext>
+            <a:ext uri="{91240B29-F687-4f45-9708-019B960494DF}">
+              <a14:hiddenLine xmlns:a14="http://schemas.microsoft.com/office/drawing/2010/main" w="9525">
+                <a:solidFill>
+                  <a:srgbClr val="000000"/>
+                </a:solidFill>
+                <a:miter lim="800000"/>
+                <a:headEnd/>
+                <a:tailEnd/>
+              </a14:hiddenLine>
+            </a:ext>
+          </a:extLst>
+        </p:spPr>
+        <p:txBody>
+          <a:bodyPr/>
+          <a:lstStyle>
+            <a:lvl1pPr eaLnBrk="0" hangingPunct="0">
+              <a:defRPr sz="2400">
+                <a:solidFill>
+                  <a:schemeClr val="tx1"/>
+                </a:solidFill>
+                <a:latin typeface="Calibri" charset="0"/>
+                <a:ea typeface="ＭＳ Ｐゴシック" charset="0"/>
+                <a:cs typeface="ＭＳ Ｐゴシック" charset="0"/>
+              </a:defRPr>
+            </a:lvl1pPr>
+            <a:lvl2pPr marL="742950" indent="-285750" eaLnBrk="0" hangingPunct="0">
+              <a:defRPr sz="2400">
+                <a:solidFill>
+                  <a:schemeClr val="tx1"/>
+                </a:solidFill>
+                <a:latin typeface="Calibri" charset="0"/>
+                <a:ea typeface="ＭＳ Ｐゴシック" charset="0"/>
+              </a:defRPr>
+            </a:lvl2pPr>
+            <a:lvl3pPr marL="1143000" indent="-228600" eaLnBrk="0" hangingPunct="0">
+              <a:defRPr sz="2400">
+                <a:solidFill>
+                  <a:schemeClr val="tx1"/>
+                </a:solidFill>
+                <a:latin typeface="Calibri" charset="0"/>
+                <a:ea typeface="ＭＳ Ｐゴシック" charset="0"/>
+              </a:defRPr>
+            </a:lvl3pPr>
+            <a:lvl4pPr marL="1600200" indent="-228600" eaLnBrk="0" hangingPunct="0">
+              <a:defRPr sz="2400">
+                <a:solidFill>
+                  <a:schemeClr val="tx1"/>
+                </a:solidFill>
+                <a:latin typeface="Calibri" charset="0"/>
+                <a:ea typeface="ＭＳ Ｐゴシック" charset="0"/>
+              </a:defRPr>
+            </a:lvl4pPr>
+            <a:lvl5pPr marL="2057400" indent="-228600" eaLnBrk="0" hangingPunct="0">
+              <a:defRPr sz="2400">
+                <a:solidFill>
+                  <a:schemeClr val="tx1"/>
+                </a:solidFill>
+                <a:latin typeface="Calibri" charset="0"/>
+                <a:ea typeface="ＭＳ Ｐゴシック" charset="0"/>
+              </a:defRPr>
+            </a:lvl5pPr>
+            <a:lvl6pPr marL="2514600" indent="-228600" eaLnBrk="0" fontAlgn="base" hangingPunct="0">
+              <a:spcBef>
+                <a:spcPct val="0"/>
+              </a:spcBef>
+              <a:spcAft>
+                <a:spcPct val="0"/>
+              </a:spcAft>
+              <a:defRPr sz="2400">
+                <a:solidFill>
+                  <a:schemeClr val="tx1"/>
+                </a:solidFill>
+                <a:latin typeface="Calibri" charset="0"/>
+                <a:ea typeface="ＭＳ Ｐゴシック" charset="0"/>
+              </a:defRPr>
+            </a:lvl6pPr>
+            <a:lvl7pPr marL="2971800" indent="-228600" eaLnBrk="0" fontAlgn="base" hangingPunct="0">
+              <a:spcBef>
+                <a:spcPct val="0"/>
+              </a:spcBef>
+              <a:spcAft>
+                <a:spcPct val="0"/>
+              </a:spcAft>
+              <a:defRPr sz="2400">
+                <a:solidFill>
+                  <a:schemeClr val="tx1"/>
+                </a:solidFill>
+                <a:latin typeface="Calibri" charset="0"/>
+                <a:ea typeface="ＭＳ Ｐゴシック" charset="0"/>
+              </a:defRPr>
+            </a:lvl7pPr>
+            <a:lvl8pPr marL="3429000" indent="-228600" eaLnBrk="0" fontAlgn="base" hangingPunct="0">
+              <a:spcBef>
+                <a:spcPct val="0"/>
+              </a:spcBef>
+              <a:spcAft>
+                <a:spcPct val="0"/>
+              </a:spcAft>
+              <a:defRPr sz="2400">
+                <a:solidFill>
+                  <a:schemeClr val="tx1"/>
+                </a:solidFill>
+                <a:latin typeface="Calibri" charset="0"/>
+                <a:ea typeface="ＭＳ Ｐゴシック" charset="0"/>
+              </a:defRPr>
+            </a:lvl8pPr>
+            <a:lvl9pPr marL="3886200" indent="-228600" eaLnBrk="0" fontAlgn="base" hangingPunct="0">
+              <a:spcBef>
+                <a:spcPct val="0"/>
+              </a:spcBef>
+              <a:spcAft>
+                <a:spcPct val="0"/>
+              </a:spcAft>
+              <a:defRPr sz="2400">
+                <a:solidFill>
+                  <a:schemeClr val="tx1"/>
+                </a:solidFill>
+                <a:latin typeface="Calibri" charset="0"/>
+                <a:ea typeface="ＭＳ Ｐゴシック" charset="0"/>
+              </a:defRPr>
+            </a:lvl9pPr>
+          </a:lstStyle>
+          <a:p>
+            <a:pPr eaLnBrk="1" hangingPunct="1"/>
+            <a:fld id="{CECC0BAE-1AA5-E54A-9938-47BD2113E9AD}" type="slidenum">
+              <a:rPr lang="en-GB" sz="1200">
+                <a:solidFill>
+                  <a:srgbClr val="898989"/>
+                </a:solidFill>
+                <a:latin typeface="Calisto MT"/>
+                <a:cs typeface="Arial" charset="0"/>
+              </a:rPr>
+              <a:pPr eaLnBrk="1" hangingPunct="1"/>
+              <a:t>6</a:t>
+            </a:fld>
+            <a:endParaRPr lang="en-GB" sz="1200" dirty="0">
+              <a:solidFill>
+                <a:srgbClr val="898989"/>
+              </a:solidFill>
+              <a:latin typeface="Calisto MT"/>
+              <a:cs typeface="Arial" charset="0"/>
+            </a:endParaRPr>
+          </a:p>
+        </p:txBody>
+      </p:sp>
+      <p:sp>
+        <p:nvSpPr>
+          <p:cNvPr id="5" name="Rounded Rectangle 4"/>
+          <p:cNvSpPr/>
+          <p:nvPr/>
+        </p:nvSpPr>
+        <p:spPr>
+          <a:xfrm>
+            <a:off x="611188" y="1366168"/>
+            <a:ext cx="8281987" cy="1511300"/>
+          </a:xfrm>
+          <a:prstGeom prst="roundRect">
+            <a:avLst/>
+          </a:prstGeom>
+        </p:spPr>
+        <p:style>
+          <a:lnRef idx="1">
+            <a:schemeClr val="accent1"/>
+          </a:lnRef>
+          <a:fillRef idx="3">
+            <a:schemeClr val="accent1"/>
+          </a:fillRef>
+          <a:effectRef idx="2">
+            <a:schemeClr val="accent1"/>
+          </a:effectRef>
+          <a:fontRef idx="minor">
+            <a:schemeClr val="lt1"/>
+          </a:fontRef>
+        </p:style>
+        <p:txBody>
+          <a:bodyPr anchor="ctr"/>
+          <a:lstStyle/>
+          <a:p>
+            <a:pPr algn="ctr">
+              <a:defRPr/>
+            </a:pPr>
+            <a:r>
+              <a:rPr lang="en-US" sz="3600" dirty="0">
+                <a:latin typeface="Montserrat"/>
+                <a:cs typeface="Montserrat"/>
+              </a:rPr>
+              <a:t>Software as a Service</a:t>
+            </a:r>
+          </a:p>
+        </p:txBody>
+      </p:sp>
+      <p:sp>
+        <p:nvSpPr>
+          <p:cNvPr id="6" name="Rounded Rectangle 5"/>
+          <p:cNvSpPr/>
+          <p:nvPr/>
+        </p:nvSpPr>
+        <p:spPr>
+          <a:xfrm>
+            <a:off x="611188" y="4533230"/>
+            <a:ext cx="8281987" cy="1512888"/>
+          </a:xfrm>
+          <a:prstGeom prst="roundRect">
+            <a:avLst/>
+          </a:prstGeom>
+        </p:spPr>
+        <p:style>
+          <a:lnRef idx="1">
+            <a:schemeClr val="accent1"/>
+          </a:lnRef>
+          <a:fillRef idx="3">
+            <a:schemeClr val="accent1"/>
+          </a:fillRef>
+          <a:effectRef idx="2">
+            <a:schemeClr val="accent1"/>
+          </a:effectRef>
+          <a:fontRef idx="minor">
+            <a:schemeClr val="lt1"/>
+          </a:fontRef>
+        </p:style>
+        <p:txBody>
+          <a:bodyPr anchor="ctr"/>
+          <a:lstStyle/>
+          <a:p>
+            <a:pPr algn="ctr">
+              <a:defRPr/>
+            </a:pPr>
+            <a:r>
+              <a:rPr lang="en-US" sz="3600" dirty="0">
+                <a:latin typeface="Montserrat"/>
+                <a:cs typeface="Montserrat"/>
+              </a:rPr>
+              <a:t>Infrastructure as a Service</a:t>
+            </a:r>
+          </a:p>
+        </p:txBody>
+      </p:sp>
+      <p:sp>
+        <p:nvSpPr>
+          <p:cNvPr id="7" name="Up Arrow 6"/>
+          <p:cNvSpPr/>
+          <p:nvPr/>
+        </p:nvSpPr>
+        <p:spPr>
+          <a:xfrm>
+            <a:off x="611188" y="3021930"/>
+            <a:ext cx="1885950" cy="1295400"/>
+          </a:xfrm>
+          <a:prstGeom prst="upArrow">
+            <a:avLst/>
+          </a:prstGeom>
+        </p:spPr>
+        <p:style>
+          <a:lnRef idx="1">
+            <a:schemeClr val="accent1"/>
+          </a:lnRef>
+          <a:fillRef idx="3">
+            <a:schemeClr val="accent1"/>
+          </a:fillRef>
+          <a:effectRef idx="2">
+            <a:schemeClr val="accent1"/>
+          </a:effectRef>
+          <a:fontRef idx="minor">
+            <a:schemeClr val="lt1"/>
+          </a:fontRef>
+        </p:style>
+        <p:txBody>
+          <a:bodyPr anchor="ctr"/>
+          <a:lstStyle/>
+          <a:p>
+            <a:pPr algn="ctr">
+              <a:defRPr/>
+            </a:pPr>
+            <a:r>
+              <a:rPr lang="en-US" dirty="0" err="1">
+                <a:latin typeface="Montserrat"/>
+                <a:cs typeface="Montserrat"/>
+              </a:rPr>
+              <a:t>Dev</a:t>
+            </a:r>
+            <a:r>
+              <a:rPr lang="en-US" dirty="0">
+                <a:latin typeface="Montserrat"/>
+                <a:cs typeface="Montserrat"/>
+              </a:rPr>
+              <a:t> Ops</a:t>
+            </a:r>
+          </a:p>
+        </p:txBody>
+      </p:sp>
+      <p:sp>
+        <p:nvSpPr>
+          <p:cNvPr id="8" name="Down Arrow 7"/>
+          <p:cNvSpPr/>
+          <p:nvPr/>
+        </p:nvSpPr>
+        <p:spPr>
+          <a:xfrm>
+            <a:off x="6761163" y="3021930"/>
+            <a:ext cx="2293937" cy="1295400"/>
+          </a:xfrm>
+          <a:prstGeom prst="downArrow">
+            <a:avLst/>
+          </a:prstGeom>
+        </p:spPr>
+        <p:style>
+          <a:lnRef idx="1">
+            <a:schemeClr val="accent1"/>
+          </a:lnRef>
+          <a:fillRef idx="3">
+            <a:schemeClr val="accent1"/>
+          </a:fillRef>
+          <a:effectRef idx="2">
+            <a:schemeClr val="accent1"/>
+          </a:effectRef>
+          <a:fontRef idx="minor">
+            <a:schemeClr val="lt1"/>
+          </a:fontRef>
+        </p:style>
+        <p:txBody>
+          <a:bodyPr anchor="ctr"/>
+          <a:lstStyle/>
+          <a:p>
+            <a:pPr algn="ctr">
+              <a:defRPr/>
+            </a:pPr>
+            <a:r>
+              <a:rPr lang="en-US" sz="1600" dirty="0">
+                <a:latin typeface="Montserrat"/>
+                <a:cs typeface="Montserrat"/>
+              </a:rPr>
+              <a:t>Custom-</a:t>
+            </a:r>
+            <a:r>
+              <a:rPr lang="en-US" sz="1600" dirty="0" err="1">
+                <a:latin typeface="Montserrat"/>
+                <a:cs typeface="Montserrat"/>
+              </a:rPr>
+              <a:t>ization</a:t>
+            </a:r>
+            <a:endParaRPr lang="en-US" sz="1600" dirty="0">
+              <a:latin typeface="Montserrat"/>
+              <a:cs typeface="Montserrat"/>
+            </a:endParaRPr>
+          </a:p>
+        </p:txBody>
+      </p:sp>
+    </p:spTree>
+    <p:extLst>
+      <p:ext uri="{BB962C8B-B14F-4D97-AF65-F5344CB8AC3E}">
+        <p14:creationId xmlns:p14="http://schemas.microsoft.com/office/powerpoint/2010/main" val="1138153136"/>
+      </p:ext>
+    </p:extLst>
+  </p:cSld>
+  <p:clrMapOvr>
+    <a:masterClrMapping/>
+  </p:clrMapOvr>
+</p:sld>
+</file>
+
+<file path=ppt/slides/slide7.xml><?xml version="1.0" encoding="utf-8"?>
+<p:sld xmlns:a="http://schemas.openxmlformats.org/drawingml/2006/main" xmlns:r="http://schemas.openxmlformats.org/officeDocument/2006/relationships" xmlns:p="http://schemas.openxmlformats.org/presentationml/2006/main">
+  <p:cSld>
+    <p:spTree>
+      <p:nvGrpSpPr>
+        <p:cNvPr id="1" name=""/>
+        <p:cNvGrpSpPr/>
+        <p:nvPr/>
+      </p:nvGrpSpPr>
+      <p:grpSpPr>
+        <a:xfrm>
+          <a:off x="0" y="0"/>
+          <a:ext cx="0" cy="0"/>
+          <a:chOff x="0" y="0"/>
+          <a:chExt cx="0" cy="0"/>
+        </a:xfrm>
+      </p:grpSpPr>
+      <p:sp>
+        <p:nvSpPr>
+          <p:cNvPr id="2" name="Title 1"/>
+          <p:cNvSpPr>
+            <a:spLocks noGrp="1"/>
+          </p:cNvSpPr>
+          <p:nvPr>
+            <p:ph type="title"/>
+          </p:nvPr>
+        </p:nvSpPr>
+        <p:spPr/>
+        <p:txBody>
+          <a:bodyPr/>
+          <a:lstStyle/>
+          <a:p>
+            <a:r>
+              <a:rPr lang="en-US" dirty="0" smtClean="0"/>
+              <a:t>Public </a:t>
+            </a:r>
+            <a:r>
+              <a:rPr lang="en-US" dirty="0" err="1" smtClean="0"/>
+              <a:t>IaaS</a:t>
+            </a:r>
+            <a:endParaRPr lang="en-US" dirty="0"/>
+          </a:p>
+        </p:txBody>
+      </p:sp>
+      <p:sp>
+        <p:nvSpPr>
+          <p:cNvPr id="3" name="Content Placeholder 2"/>
+          <p:cNvSpPr>
+            <a:spLocks noGrp="1"/>
+          </p:cNvSpPr>
+          <p:nvPr>
+            <p:ph idx="1"/>
+          </p:nvPr>
+        </p:nvSpPr>
+        <p:spPr/>
+        <p:txBody>
+          <a:bodyPr>
+            <a:normAutofit lnSpcReduction="10000"/>
+          </a:bodyPr>
+          <a:lstStyle/>
+          <a:p>
+            <a:r>
+              <a:rPr lang="en-US" dirty="0" smtClean="0"/>
+              <a:t>Main Infrastructure-as-a-Service options:</a:t>
+            </a:r>
+          </a:p>
+          <a:p>
+            <a:pPr lvl="1"/>
+            <a:r>
+              <a:rPr lang="en-US" dirty="0" smtClean="0"/>
+              <a:t>Amazon AWS (largest market share)</a:t>
+            </a:r>
+          </a:p>
+          <a:p>
+            <a:pPr lvl="1"/>
+            <a:r>
+              <a:rPr lang="en-US" dirty="0" smtClean="0"/>
+              <a:t>Google GCE</a:t>
+            </a:r>
+          </a:p>
+          <a:p>
+            <a:pPr lvl="1"/>
+            <a:r>
+              <a:rPr lang="en-US" dirty="0" smtClean="0"/>
+              <a:t>Microsoft Azure</a:t>
+            </a:r>
+          </a:p>
+          <a:p>
+            <a:pPr lvl="1"/>
+            <a:r>
+              <a:rPr lang="en-US" dirty="0" smtClean="0"/>
+              <a:t>IBM </a:t>
+            </a:r>
+            <a:r>
+              <a:rPr lang="en-US" dirty="0" err="1" smtClean="0"/>
+              <a:t>Softlayer</a:t>
+            </a:r>
+            <a:endParaRPr lang="en-US" dirty="0" smtClean="0"/>
+          </a:p>
+          <a:p>
+            <a:pPr lvl="1"/>
+            <a:r>
+              <a:rPr lang="en-US" dirty="0" smtClean="0"/>
+              <a:t>Rackspace</a:t>
+            </a:r>
+          </a:p>
+          <a:p>
+            <a:pPr lvl="1"/>
+            <a:r>
+              <a:rPr lang="en-US" dirty="0" err="1" smtClean="0"/>
+              <a:t>Joyent</a:t>
+            </a:r>
+            <a:endParaRPr lang="en-US" dirty="0" smtClean="0"/>
+          </a:p>
+          <a:p>
+            <a:pPr lvl="1"/>
+            <a:r>
+              <a:rPr lang="en-US" dirty="0" err="1" smtClean="0"/>
+              <a:t>DigitalOcean</a:t>
+            </a:r>
+            <a:endParaRPr lang="en-US" dirty="0" smtClean="0"/>
+          </a:p>
+          <a:p>
+            <a:pPr lvl="1"/>
+            <a:endParaRPr lang="en-US" dirty="0"/>
+          </a:p>
+        </p:txBody>
+      </p:sp>
+    </p:spTree>
+    <p:extLst>
+      <p:ext uri="{BB962C8B-B14F-4D97-AF65-F5344CB8AC3E}">
+        <p14:creationId xmlns:p14="http://schemas.microsoft.com/office/powerpoint/2010/main" val="890192958"/>
+      </p:ext>
+    </p:extLst>
+  </p:cSld>
+  <p:clrMapOvr>
+    <a:masterClrMapping/>
+  </p:clrMapOvr>
+</p:sld>
+</file>
+
+<file path=ppt/slides/slide8.xml><?xml version="1.0" encoding="utf-8"?>
+<p:sld xmlns:a="http://schemas.openxmlformats.org/drawingml/2006/main" xmlns:r="http://schemas.openxmlformats.org/officeDocument/2006/relationships" xmlns:p="http://schemas.openxmlformats.org/presentationml/2006/main">
+  <p:cSld>
+    <p:spTree>
+      <p:nvGrpSpPr>
+        <p:cNvPr id="1" name=""/>
+        <p:cNvGrpSpPr/>
+        <p:nvPr/>
+      </p:nvGrpSpPr>
+      <p:grpSpPr>
+        <a:xfrm>
+          <a:off x="0" y="0"/>
+          <a:ext cx="0" cy="0"/>
+          <a:chOff x="0" y="0"/>
+          <a:chExt cx="0" cy="0"/>
+        </a:xfrm>
+      </p:grpSpPr>
+      <p:sp>
+        <p:nvSpPr>
+          <p:cNvPr id="2" name="Title 1"/>
+          <p:cNvSpPr>
+            <a:spLocks noGrp="1"/>
+          </p:cNvSpPr>
+          <p:nvPr>
+            <p:ph type="title"/>
+          </p:nvPr>
+        </p:nvSpPr>
+        <p:spPr/>
+        <p:txBody>
+          <a:bodyPr>
+            <a:normAutofit fontScale="90000"/>
+          </a:bodyPr>
+          <a:lstStyle/>
+          <a:p>
+            <a:r>
+              <a:rPr lang="en-US" dirty="0" smtClean="0"/>
+              <a:t>Gartner’s view</a:t>
+            </a:r>
+            <a:br>
+              <a:rPr lang="en-US" dirty="0" smtClean="0"/>
+            </a:br>
+            <a:r>
+              <a:rPr lang="en-US" dirty="0" smtClean="0"/>
+              <a:t>	</a:t>
+            </a:r>
+            <a:endParaRPr lang="en-US" dirty="0"/>
+          </a:p>
+        </p:txBody>
+      </p:sp>
+      <p:pic>
+        <p:nvPicPr>
+          <p:cNvPr id="4" name="Picture 3"/>
+          <p:cNvPicPr>
+            <a:picLocks noChangeAspect="1"/>
+          </p:cNvPicPr>
+          <p:nvPr/>
+        </p:nvPicPr>
+        <p:blipFill>
+          <a:blip r:embed="rId2"/>
+          <a:stretch>
+            <a:fillRect/>
+          </a:stretch>
+        </p:blipFill>
+        <p:spPr>
+          <a:xfrm>
+            <a:off x="2184865" y="968256"/>
+            <a:ext cx="4997332" cy="5166052"/>
+          </a:xfrm>
+          <a:prstGeom prst="rect">
+            <a:avLst/>
+          </a:prstGeom>
+        </p:spPr>
+      </p:pic>
+    </p:spTree>
+    <p:extLst>
+      <p:ext uri="{BB962C8B-B14F-4D97-AF65-F5344CB8AC3E}">
+        <p14:creationId xmlns:p14="http://schemas.microsoft.com/office/powerpoint/2010/main" val="3234614579"/>
+      </p:ext>
+    </p:extLst>
+  </p:cSld>
+  <p:clrMapOvr>
+    <a:masterClrMapping/>
+  </p:clrMapOvr>
+</p:sld>
+</file>
+
+<file path=ppt/slides/slide9.xml><?xml version="1.0" encoding="utf-8"?>
+<p:sld xmlns:a="http://schemas.openxmlformats.org/drawingml/2006/main" xmlns:r="http://schemas.openxmlformats.org/officeDocument/2006/relationships" xmlns:p="http://schemas.openxmlformats.org/presentationml/2006/main">
+  <p:cSld>
+    <p:spTree>
+      <p:nvGrpSpPr>
+        <p:cNvPr id="1" name=""/>
+        <p:cNvGrpSpPr/>
+        <p:nvPr/>
+      </p:nvGrpSpPr>
+      <p:grpSpPr>
+        <a:xfrm>
+          <a:off x="0" y="0"/>
+          <a:ext cx="0" cy="0"/>
+          <a:chOff x="0" y="0"/>
+          <a:chExt cx="0" cy="0"/>
+        </a:xfrm>
+      </p:grpSpPr>
+      <p:sp>
+        <p:nvSpPr>
+          <p:cNvPr id="2" name="Title 1"/>
+          <p:cNvSpPr>
+            <a:spLocks noGrp="1"/>
+          </p:cNvSpPr>
+          <p:nvPr>
+            <p:ph type="title"/>
+          </p:nvPr>
+        </p:nvSpPr>
+        <p:spPr/>
+        <p:txBody>
+          <a:bodyPr/>
+          <a:lstStyle/>
+          <a:p>
+            <a:r>
+              <a:rPr lang="en-US" dirty="0" smtClean="0"/>
+              <a:t>Private </a:t>
+            </a:r>
+            <a:r>
+              <a:rPr lang="en-US" dirty="0" err="1" smtClean="0"/>
+              <a:t>IaaS</a:t>
+            </a:r>
+            <a:endParaRPr lang="en-US" dirty="0"/>
+          </a:p>
+        </p:txBody>
+      </p:sp>
+      <p:sp>
+        <p:nvSpPr>
+          <p:cNvPr id="3" name="Content Placeholder 2"/>
+          <p:cNvSpPr>
+            <a:spLocks noGrp="1"/>
+          </p:cNvSpPr>
+          <p:nvPr>
+            <p:ph idx="1"/>
+          </p:nvPr>
+        </p:nvSpPr>
+        <p:spPr/>
+        <p:txBody>
+          <a:bodyPr/>
+          <a:lstStyle/>
+          <a:p>
+            <a:r>
+              <a:rPr lang="en-US" dirty="0" err="1" smtClean="0"/>
+              <a:t>OpenStack</a:t>
+            </a:r>
+            <a:endParaRPr lang="en-US" dirty="0" smtClean="0"/>
+          </a:p>
+          <a:p>
+            <a:r>
+              <a:rPr lang="en-US" dirty="0" smtClean="0"/>
+              <a:t>HP Enterprise Eucalyptus</a:t>
+            </a:r>
+          </a:p>
+          <a:p>
+            <a:r>
+              <a:rPr lang="en-US" dirty="0" err="1" smtClean="0"/>
+              <a:t>vmWare</a:t>
+            </a:r>
+            <a:r>
+              <a:rPr lang="en-US" dirty="0" smtClean="0"/>
+              <a:t> </a:t>
+            </a:r>
+            <a:r>
+              <a:rPr lang="en-US" dirty="0" err="1" smtClean="0"/>
+              <a:t>vSphere</a:t>
+            </a:r>
+            <a:r>
+              <a:rPr lang="en-US" dirty="0" smtClean="0"/>
+              <a:t> / </a:t>
+            </a:r>
+            <a:r>
+              <a:rPr lang="en-US" dirty="0" err="1" smtClean="0"/>
+              <a:t>vCloud</a:t>
+            </a:r>
+            <a:endParaRPr lang="en-US" dirty="0" smtClean="0"/>
+          </a:p>
+          <a:p>
+            <a:r>
+              <a:rPr lang="en-US" dirty="0" smtClean="0"/>
+              <a:t>Apache </a:t>
+            </a:r>
+            <a:r>
+              <a:rPr lang="en-US" dirty="0" err="1" smtClean="0"/>
+              <a:t>CloudStack</a:t>
+            </a:r>
+            <a:endParaRPr lang="en-US" dirty="0"/>
+          </a:p>
+        </p:txBody>
+      </p:sp>
+    </p:spTree>
+    <p:extLst>
+      <p:ext uri="{BB962C8B-B14F-4D97-AF65-F5344CB8AC3E}">
+        <p14:creationId xmlns:p14="http://schemas.microsoft.com/office/powerpoint/2010/main" val="3584159733"/>
       </p:ext>
     </p:extLst>
   </p:cSld>

--- a/pres-source/02-using-cloud-services.pptx
+++ b/pres-source/02-using-cloud-services.pptx
@@ -5,7 +5,7 @@
     <p:sldMasterId id="2147483648" r:id="rId1"/>
   </p:sldMasterIdLst>
   <p:notesMasterIdLst>
-    <p:notesMasterId r:id="rId23"/>
+    <p:notesMasterId r:id="rId25"/>
   </p:notesMasterIdLst>
   <p:sldIdLst>
     <p:sldId id="256" r:id="rId2"/>
@@ -28,7 +28,9 @@
     <p:sldId id="277" r:id="rId19"/>
     <p:sldId id="278" r:id="rId20"/>
     <p:sldId id="279" r:id="rId21"/>
-    <p:sldId id="276" r:id="rId22"/>
+    <p:sldId id="280" r:id="rId22"/>
+    <p:sldId id="281" r:id="rId23"/>
+    <p:sldId id="276" r:id="rId24"/>
   </p:sldIdLst>
   <p:sldSz cx="9144000" cy="6858000" type="screen4x3"/>
   <p:notesSz cx="6858000" cy="9144000"/>
@@ -217,7 +219,7 @@
             <a:fld id="{7307762F-A706-E543-A832-3C298AA3103F}" type="datetimeFigureOut">
               <a:rPr lang="en-US" smtClean="0"/>
               <a:pPr/>
-              <a:t>09/11/15</a:t>
+              <a:t>15/11/15</a:t>
             </a:fld>
             <a:endParaRPr lang="en-US" dirty="0"/>
           </a:p>
@@ -784,7 +786,7 @@
           <a:p>
             <a:fld id="{875CF0EB-321F-0749-B37A-89BBA859503C}" type="datetimeFigureOut">
               <a:rPr lang="en-US" smtClean="0"/>
-              <a:t>09/11/15</a:t>
+              <a:t>15/11/15</a:t>
             </a:fld>
             <a:endParaRPr lang="en-US"/>
           </a:p>
@@ -988,7 +990,7 @@
           <a:p>
             <a:fld id="{875CF0EB-321F-0749-B37A-89BBA859503C}" type="datetimeFigureOut">
               <a:rPr lang="en-US" smtClean="0"/>
-              <a:t>09/11/15</a:t>
+              <a:t>15/11/15</a:t>
             </a:fld>
             <a:endParaRPr lang="en-US"/>
           </a:p>
@@ -1182,7 +1184,7 @@
           <a:p>
             <a:fld id="{875CF0EB-321F-0749-B37A-89BBA859503C}" type="datetimeFigureOut">
               <a:rPr lang="en-US" smtClean="0"/>
-              <a:t>09/11/15</a:t>
+              <a:t>15/11/15</a:t>
             </a:fld>
             <a:endParaRPr lang="en-US"/>
           </a:p>
@@ -1452,7 +1454,7 @@
           <a:p>
             <a:fld id="{875CF0EB-321F-0749-B37A-89BBA859503C}" type="datetimeFigureOut">
               <a:rPr lang="en-US" smtClean="0"/>
-              <a:t>09/11/15</a:t>
+              <a:t>15/11/15</a:t>
             </a:fld>
             <a:endParaRPr lang="en-US"/>
           </a:p>
@@ -1764,7 +1766,7 @@
           <a:p>
             <a:fld id="{875CF0EB-321F-0749-B37A-89BBA859503C}" type="datetimeFigureOut">
               <a:rPr lang="en-US" smtClean="0"/>
-              <a:t>09/11/15</a:t>
+              <a:t>15/11/15</a:t>
             </a:fld>
             <a:endParaRPr lang="en-US"/>
           </a:p>
@@ -2210,7 +2212,7 @@
           <a:p>
             <a:fld id="{875CF0EB-321F-0749-B37A-89BBA859503C}" type="datetimeFigureOut">
               <a:rPr lang="en-US" smtClean="0"/>
-              <a:t>09/11/15</a:t>
+              <a:t>15/11/15</a:t>
             </a:fld>
             <a:endParaRPr lang="en-US"/>
           </a:p>
@@ -2352,7 +2354,7 @@
           <a:p>
             <a:fld id="{875CF0EB-321F-0749-B37A-89BBA859503C}" type="datetimeFigureOut">
               <a:rPr lang="en-US" smtClean="0"/>
-              <a:t>09/11/15</a:t>
+              <a:t>15/11/15</a:t>
             </a:fld>
             <a:endParaRPr lang="en-US"/>
           </a:p>
@@ -2471,7 +2473,7 @@
           <a:p>
             <a:fld id="{875CF0EB-321F-0749-B37A-89BBA859503C}" type="datetimeFigureOut">
               <a:rPr lang="en-US" smtClean="0"/>
-              <a:t>09/11/15</a:t>
+              <a:t>15/11/15</a:t>
             </a:fld>
             <a:endParaRPr lang="en-US"/>
           </a:p>
@@ -2772,7 +2774,7 @@
           <a:p>
             <a:fld id="{875CF0EB-321F-0749-B37A-89BBA859503C}" type="datetimeFigureOut">
               <a:rPr lang="en-US" smtClean="0"/>
-              <a:t>09/11/15</a:t>
+              <a:t>15/11/15</a:t>
             </a:fld>
             <a:endParaRPr lang="en-US"/>
           </a:p>
@@ -3049,7 +3051,7 @@
           <a:p>
             <a:fld id="{875CF0EB-321F-0749-B37A-89BBA859503C}" type="datetimeFigureOut">
               <a:rPr lang="en-US" smtClean="0"/>
-              <a:t>09/11/15</a:t>
+              <a:t>15/11/15</a:t>
             </a:fld>
             <a:endParaRPr lang="en-US"/>
           </a:p>
@@ -3900,7 +3902,27 @@
                 <a:ea typeface="ヒラギノ角ゴ ProN W3" charset="0"/>
                 <a:cs typeface="ヒラギノ角ゴ ProN W3" charset="0"/>
               </a:rPr>
-              <a:t>Using Cloud Services</a:t>
+              <a:t>Understanding</a:t>
+            </a:r>
+            <a:br>
+              <a:rPr lang="en-US" dirty="0" smtClean="0">
+                <a:ea typeface="ヒラギノ角ゴ ProN W3" charset="0"/>
+                <a:cs typeface="ヒラギノ角ゴ ProN W3" charset="0"/>
+              </a:rPr>
+            </a:br>
+            <a:r>
+              <a:rPr lang="en-US" dirty="0" smtClean="0">
+                <a:ea typeface="ヒラギノ角ゴ ProN W3" charset="0"/>
+                <a:cs typeface="ヒラギノ角ゴ ProN W3" charset="0"/>
+              </a:rPr>
+              <a:t> </a:t>
+            </a:r>
+            <a:r>
+              <a:rPr lang="en-US" dirty="0" smtClean="0">
+                <a:ea typeface="ヒラギノ角ゴ ProN W3" charset="0"/>
+                <a:cs typeface="ヒラギノ角ゴ ProN W3" charset="0"/>
+              </a:rPr>
+              <a:t>Cloud Services</a:t>
             </a:r>
             <a:endParaRPr lang="en-US" dirty="0">
               <a:ea typeface="ヒラギノ角ゴ ProN W3" charset="0"/>
@@ -4180,7 +4202,7 @@
           <a:p>
             <a:fld id="{7268D07E-94DD-D34E-A9CB-F7E79C30F7B9}" type="datetime1">
               <a:rPr lang="en-US" smtClean="0"/>
-              <a:t>10/11/15</a:t>
+              <a:t>15/11/15</a:t>
             </a:fld>
             <a:endParaRPr lang="en-US"/>
           </a:p>
@@ -5519,14 +5541,7 @@
                 <a:ea typeface="ヒラギノ角ゴ ProN W3" charset="0"/>
                 <a:cs typeface="ヒラギノ角ゴ ProN W3" charset="0"/>
               </a:rPr>
-              <a:t> </a:t>
-            </a:r>
-            <a:r>
-              <a:rPr lang="en-US" dirty="0" smtClean="0">
-                <a:ea typeface="ヒラギノ角ゴ ProN W3" charset="0"/>
-                <a:cs typeface="ヒラギノ角ゴ ProN W3" charset="0"/>
-              </a:rPr>
-              <a:t>/ </a:t>
+              <a:t> / </a:t>
             </a:r>
             <a:r>
               <a:rPr lang="en-US" dirty="0" err="1" smtClean="0">
@@ -5699,6 +5714,276 @@
 </file>
 
 <file path=ppt/slides/slide21.xml><?xml version="1.0" encoding="utf-8"?>
+<p:sld xmlns:a="http://schemas.openxmlformats.org/drawingml/2006/main" xmlns:r="http://schemas.openxmlformats.org/officeDocument/2006/relationships" xmlns:p="http://schemas.openxmlformats.org/presentationml/2006/main">
+  <p:cSld>
+    <p:spTree>
+      <p:nvGrpSpPr>
+        <p:cNvPr id="1" name=""/>
+        <p:cNvGrpSpPr/>
+        <p:nvPr/>
+      </p:nvGrpSpPr>
+      <p:grpSpPr>
+        <a:xfrm>
+          <a:off x="0" y="0"/>
+          <a:ext cx="0" cy="0"/>
+          <a:chOff x="0" y="0"/>
+          <a:chExt cx="0" cy="0"/>
+        </a:xfrm>
+      </p:grpSpPr>
+      <p:sp>
+        <p:nvSpPr>
+          <p:cNvPr id="2" name="Title 1"/>
+          <p:cNvSpPr>
+            <a:spLocks noGrp="1"/>
+          </p:cNvSpPr>
+          <p:nvPr>
+            <p:ph type="title"/>
+          </p:nvPr>
+        </p:nvSpPr>
+        <p:spPr/>
+        <p:txBody>
+          <a:bodyPr/>
+          <a:lstStyle/>
+          <a:p>
+            <a:r>
+              <a:rPr lang="en-US" dirty="0" smtClean="0"/>
+              <a:t>Main EC2 components</a:t>
+            </a:r>
+            <a:endParaRPr lang="en-US" dirty="0"/>
+          </a:p>
+        </p:txBody>
+      </p:sp>
+      <p:sp>
+        <p:nvSpPr>
+          <p:cNvPr id="3" name="Content Placeholder 2"/>
+          <p:cNvSpPr>
+            <a:spLocks noGrp="1"/>
+          </p:cNvSpPr>
+          <p:nvPr>
+            <p:ph idx="1"/>
+          </p:nvPr>
+        </p:nvSpPr>
+        <p:spPr/>
+        <p:txBody>
+          <a:bodyPr>
+            <a:normAutofit lnSpcReduction="10000"/>
+          </a:bodyPr>
+          <a:lstStyle/>
+          <a:p>
+            <a:r>
+              <a:rPr lang="en-US" dirty="0" smtClean="0"/>
+              <a:t>Instances</a:t>
+            </a:r>
+          </a:p>
+          <a:p>
+            <a:pPr lvl="1"/>
+            <a:r>
+              <a:rPr lang="en-US" dirty="0" smtClean="0"/>
+              <a:t>Your virtual computers</a:t>
+            </a:r>
+          </a:p>
+          <a:p>
+            <a:r>
+              <a:rPr lang="en-US" dirty="0" smtClean="0"/>
+              <a:t>Volumes </a:t>
+            </a:r>
+          </a:p>
+          <a:p>
+            <a:pPr lvl="1"/>
+            <a:r>
+              <a:rPr lang="en-US" dirty="0" smtClean="0"/>
+              <a:t>Disk drives</a:t>
+            </a:r>
+          </a:p>
+          <a:p>
+            <a:r>
+              <a:rPr lang="en-US" dirty="0" smtClean="0"/>
+              <a:t>Elastic IPs</a:t>
+            </a:r>
+          </a:p>
+          <a:p>
+            <a:pPr lvl="1"/>
+            <a:r>
+              <a:rPr lang="en-US" dirty="0" smtClean="0"/>
+              <a:t>Specific IP address that can be assigned to systems</a:t>
+            </a:r>
+          </a:p>
+          <a:p>
+            <a:r>
+              <a:rPr lang="en-US" dirty="0" smtClean="0"/>
+              <a:t>Security Groups</a:t>
+            </a:r>
+          </a:p>
+          <a:p>
+            <a:pPr lvl="1"/>
+            <a:r>
+              <a:rPr lang="en-US" dirty="0" smtClean="0"/>
+              <a:t>Sets of firewall rules</a:t>
+            </a:r>
+            <a:endParaRPr lang="en-US" dirty="0"/>
+          </a:p>
+        </p:txBody>
+      </p:sp>
+    </p:spTree>
+    <p:extLst>
+      <p:ext uri="{BB962C8B-B14F-4D97-AF65-F5344CB8AC3E}">
+        <p14:creationId xmlns:p14="http://schemas.microsoft.com/office/powerpoint/2010/main" val="3466883707"/>
+      </p:ext>
+    </p:extLst>
+  </p:cSld>
+  <p:clrMapOvr>
+    <a:masterClrMapping/>
+  </p:clrMapOvr>
+</p:sld>
+</file>
+
+<file path=ppt/slides/slide22.xml><?xml version="1.0" encoding="utf-8"?>
+<p:sld xmlns:a="http://schemas.openxmlformats.org/drawingml/2006/main" xmlns:r="http://schemas.openxmlformats.org/officeDocument/2006/relationships" xmlns:p="http://schemas.openxmlformats.org/presentationml/2006/main">
+  <p:cSld>
+    <p:spTree>
+      <p:nvGrpSpPr>
+        <p:cNvPr id="1" name=""/>
+        <p:cNvGrpSpPr/>
+        <p:nvPr/>
+      </p:nvGrpSpPr>
+      <p:grpSpPr>
+        <a:xfrm>
+          <a:off x="0" y="0"/>
+          <a:ext cx="0" cy="0"/>
+          <a:chOff x="0" y="0"/>
+          <a:chExt cx="0" cy="0"/>
+        </a:xfrm>
+      </p:grpSpPr>
+      <p:sp>
+        <p:nvSpPr>
+          <p:cNvPr id="2" name="Title 1"/>
+          <p:cNvSpPr>
+            <a:spLocks noGrp="1"/>
+          </p:cNvSpPr>
+          <p:nvPr>
+            <p:ph type="title"/>
+          </p:nvPr>
+        </p:nvSpPr>
+        <p:spPr/>
+        <p:txBody>
+          <a:bodyPr/>
+          <a:lstStyle/>
+          <a:p>
+            <a:r>
+              <a:rPr lang="en-US" dirty="0" smtClean="0"/>
+              <a:t>More components	</a:t>
+            </a:r>
+            <a:endParaRPr lang="en-US" dirty="0"/>
+          </a:p>
+        </p:txBody>
+      </p:sp>
+      <p:sp>
+        <p:nvSpPr>
+          <p:cNvPr id="3" name="Content Placeholder 2"/>
+          <p:cNvSpPr>
+            <a:spLocks noGrp="1"/>
+          </p:cNvSpPr>
+          <p:nvPr>
+            <p:ph idx="1"/>
+          </p:nvPr>
+        </p:nvSpPr>
+        <p:spPr/>
+        <p:txBody>
+          <a:bodyPr>
+            <a:normAutofit fontScale="92500" lnSpcReduction="20000"/>
+          </a:bodyPr>
+          <a:lstStyle/>
+          <a:p>
+            <a:r>
+              <a:rPr lang="en-US" dirty="0" smtClean="0"/>
+              <a:t>Virtual Private Cloud (VPC)</a:t>
+            </a:r>
+          </a:p>
+          <a:p>
+            <a:pPr lvl="1"/>
+            <a:r>
+              <a:rPr lang="en-US" dirty="0" smtClean="0"/>
+              <a:t>A secure subnet for your instances which can be </a:t>
+            </a:r>
+            <a:r>
+              <a:rPr lang="en-US" dirty="0" err="1" smtClean="0"/>
+              <a:t>VPNed</a:t>
+            </a:r>
+            <a:r>
+              <a:rPr lang="en-US" dirty="0" smtClean="0"/>
+              <a:t> to/from your own </a:t>
+            </a:r>
+            <a:r>
+              <a:rPr lang="en-US" dirty="0" err="1" smtClean="0"/>
+              <a:t>datacentre</a:t>
+            </a:r>
+            <a:endParaRPr lang="en-US" dirty="0" smtClean="0"/>
+          </a:p>
+          <a:p>
+            <a:pPr lvl="1"/>
+            <a:r>
+              <a:rPr lang="en-US" dirty="0" smtClean="0"/>
+              <a:t>Includes/requires an Internet Gateway for creating public services</a:t>
+            </a:r>
+          </a:p>
+          <a:p>
+            <a:r>
+              <a:rPr lang="en-US" dirty="0" smtClean="0"/>
+              <a:t>Load Balancers</a:t>
+            </a:r>
+          </a:p>
+          <a:p>
+            <a:pPr lvl="1"/>
+            <a:r>
+              <a:rPr lang="en-US" dirty="0" smtClean="0"/>
+              <a:t>Network load-balancing system</a:t>
+            </a:r>
+          </a:p>
+          <a:p>
+            <a:r>
+              <a:rPr lang="en-US" dirty="0" smtClean="0"/>
+              <a:t>Key pairs</a:t>
+            </a:r>
+          </a:p>
+          <a:p>
+            <a:pPr lvl="1"/>
+            <a:r>
+              <a:rPr lang="en-US" dirty="0" smtClean="0"/>
+              <a:t>Security tokens for managing access</a:t>
+            </a:r>
+          </a:p>
+          <a:p>
+            <a:r>
+              <a:rPr lang="en-US" dirty="0" smtClean="0"/>
+              <a:t>Route 53</a:t>
+            </a:r>
+          </a:p>
+          <a:p>
+            <a:pPr lvl="1"/>
+            <a:r>
+              <a:rPr lang="en-US" dirty="0" smtClean="0"/>
+              <a:t>Amazon’s DNS system</a:t>
+            </a:r>
+          </a:p>
+          <a:p>
+            <a:endParaRPr lang="en-US" dirty="0"/>
+          </a:p>
+        </p:txBody>
+      </p:sp>
+    </p:spTree>
+    <p:extLst>
+      <p:ext uri="{BB962C8B-B14F-4D97-AF65-F5344CB8AC3E}">
+        <p14:creationId xmlns:p14="http://schemas.microsoft.com/office/powerpoint/2010/main" val="154783593"/>
+      </p:ext>
+    </p:extLst>
+  </p:cSld>
+  <p:clrMapOvr>
+    <a:masterClrMapping/>
+  </p:clrMapOvr>
+</p:sld>
+</file>
+
+<file path=ppt/slides/slide23.xml><?xml version="1.0" encoding="utf-8"?>
 <p:sld xmlns:a="http://schemas.openxmlformats.org/drawingml/2006/main" xmlns:r="http://schemas.openxmlformats.org/officeDocument/2006/relationships" xmlns:p="http://schemas.openxmlformats.org/presentationml/2006/main">
   <p:cSld>
     <p:spTree>
